--- a/Sample.pptx
+++ b/Sample.pptx
@@ -5,23 +5,25 @@
     <p:sldMasterId id="2147483648" r:id="rId1"/>
   </p:sldMasterIdLst>
   <p:notesMasterIdLst>
-    <p:notesMasterId r:id="rId13"/>
+    <p:notesMasterId r:id="rId15"/>
   </p:notesMasterIdLst>
   <p:handoutMasterIdLst>
-    <p:handoutMasterId r:id="rId14"/>
+    <p:handoutMasterId r:id="rId16"/>
   </p:handoutMasterIdLst>
   <p:sldIdLst>
     <p:sldId id="2596" r:id="rId2"/>
-    <p:sldId id="2540" r:id="rId3"/>
-    <p:sldId id="2600" r:id="rId4"/>
-    <p:sldId id="2565" r:id="rId5"/>
-    <p:sldId id="2567" r:id="rId6"/>
-    <p:sldId id="2560" r:id="rId7"/>
-    <p:sldId id="2584" r:id="rId8"/>
-    <p:sldId id="2555" r:id="rId9"/>
-    <p:sldId id="2571" r:id="rId10"/>
-    <p:sldId id="2575" r:id="rId11"/>
-    <p:sldId id="2581" r:id="rId12"/>
+    <p:sldId id="2601" r:id="rId3"/>
+    <p:sldId id="2602" r:id="rId4"/>
+    <p:sldId id="2540" r:id="rId5"/>
+    <p:sldId id="2600" r:id="rId6"/>
+    <p:sldId id="2565" r:id="rId7"/>
+    <p:sldId id="2567" r:id="rId8"/>
+    <p:sldId id="2560" r:id="rId9"/>
+    <p:sldId id="2584" r:id="rId10"/>
+    <p:sldId id="2555" r:id="rId11"/>
+    <p:sldId id="2571" r:id="rId12"/>
+    <p:sldId id="2575" r:id="rId13"/>
+    <p:sldId id="2581" r:id="rId14"/>
   </p:sldIdLst>
   <p:sldSz cx="12192000" cy="6858000"/>
   <p:notesSz cx="6858000" cy="9144000"/>
@@ -10498,7 +10500,7 @@
             </a:ln>
             <a:extLst>
               <a:ext uri="{C572A759-6A51-4108-AA02-DFA0A04FC94B}">
-                <ma14:wrappingTextBoxFlag xmlns="" xmlns:ma14="http://schemas.microsoft.com/office/mac/drawingml/2011/main" val="1"/>
+                <ma14:wrappingTextBoxFlag xmlns:ma14="http://schemas.microsoft.com/office/mac/drawingml/2011/main" xmlns="" val="1"/>
               </a:ext>
             </a:extLst>
           </p:spPr>
@@ -10734,7 +10736,7 @@
             </a:ln>
             <a:extLst>
               <a:ext uri="{C572A759-6A51-4108-AA02-DFA0A04FC94B}">
-                <ma14:wrappingTextBoxFlag xmlns="" xmlns:ma14="http://schemas.microsoft.com/office/mac/drawingml/2011/main" val="1"/>
+                <ma14:wrappingTextBoxFlag xmlns:ma14="http://schemas.microsoft.com/office/mac/drawingml/2011/main" xmlns="" val="1"/>
               </a:ext>
             </a:extLst>
           </p:spPr>
@@ -10970,7 +10972,7 @@
             </a:ln>
             <a:extLst>
               <a:ext uri="{C572A759-6A51-4108-AA02-DFA0A04FC94B}">
-                <ma14:wrappingTextBoxFlag xmlns="" xmlns:ma14="http://schemas.microsoft.com/office/mac/drawingml/2011/main" val="1"/>
+                <ma14:wrappingTextBoxFlag xmlns:ma14="http://schemas.microsoft.com/office/mac/drawingml/2011/main" xmlns="" val="1"/>
               </a:ext>
             </a:extLst>
           </p:spPr>
@@ -21388,6 +21390,501 @@
       </p:grpSpPr>
       <p:sp>
         <p:nvSpPr>
+          <p:cNvPr id="4" name="Title 3">
+            <a:extLst>
+              <a:ext uri="{FF2B5EF4-FFF2-40B4-BE49-F238E27FC236}">
+                <a16:creationId xmlns:a16="http://schemas.microsoft.com/office/drawing/2014/main" id="{997EAB6E-5FFF-4923-BC7F-D2C71AD246DB}"/>
+              </a:ext>
+            </a:extLst>
+          </p:cNvPr>
+          <p:cNvSpPr>
+            <a:spLocks noGrp="1"/>
+          </p:cNvSpPr>
+          <p:nvPr>
+            <p:ph type="title"/>
+          </p:nvPr>
+        </p:nvSpPr>
+        <p:spPr/>
+        <p:txBody>
+          <a:bodyPr>
+            <a:normAutofit fontScale="90000"/>
+          </a:bodyPr>
+          <a:lstStyle/>
+          <a:p>
+            <a:r>
+              <a:rPr lang="en-US" dirty="0"/>
+              <a:t>Section </a:t>
+            </a:r>
+            <a:br>
+              <a:rPr lang="en-US" dirty="0"/>
+            </a:br>
+            <a:r>
+              <a:rPr lang="en-US" dirty="0"/>
+              <a:t>Header </a:t>
+            </a:r>
+          </a:p>
+        </p:txBody>
+      </p:sp>
+      <p:sp>
+        <p:nvSpPr>
+          <p:cNvPr id="5" name="Text Placeholder 4">
+            <a:extLst>
+              <a:ext uri="{FF2B5EF4-FFF2-40B4-BE49-F238E27FC236}">
+                <a16:creationId xmlns:a16="http://schemas.microsoft.com/office/drawing/2014/main" id="{DBE20D5C-43B3-4BCF-8700-BD30912F7568}"/>
+              </a:ext>
+            </a:extLst>
+          </p:cNvPr>
+          <p:cNvSpPr>
+            <a:spLocks noGrp="1"/>
+          </p:cNvSpPr>
+          <p:nvPr>
+            <p:ph type="body" sz="quarter" idx="10"/>
+          </p:nvPr>
+        </p:nvSpPr>
+        <p:spPr/>
+        <p:txBody>
+          <a:bodyPr/>
+          <a:lstStyle/>
+          <a:p>
+            <a:r>
+              <a:rPr lang="en-US" dirty="0"/>
+              <a:t>1</a:t>
+            </a:r>
+          </a:p>
+        </p:txBody>
+      </p:sp>
+    </p:spTree>
+    <p:extLst>
+      <p:ext uri="{BB962C8B-B14F-4D97-AF65-F5344CB8AC3E}">
+        <p14:creationId xmlns:p14="http://schemas.microsoft.com/office/powerpoint/2010/main" val="660194915"/>
+      </p:ext>
+    </p:extLst>
+  </p:cSld>
+  <p:clrMapOvr>
+    <a:masterClrMapping/>
+  </p:clrMapOvr>
+</p:sld>
+</file>
+
+<file path=ppt/slides/slide11.xml><?xml version="1.0" encoding="utf-8"?>
+<p:sld xmlns:a="http://schemas.openxmlformats.org/drawingml/2006/main" xmlns:r="http://schemas.openxmlformats.org/officeDocument/2006/relationships" xmlns:p="http://schemas.openxmlformats.org/presentationml/2006/main">
+  <p:cSld>
+    <p:spTree>
+      <p:nvGrpSpPr>
+        <p:cNvPr id="1" name=""/>
+        <p:cNvGrpSpPr/>
+        <p:nvPr/>
+      </p:nvGrpSpPr>
+      <p:grpSpPr>
+        <a:xfrm>
+          <a:off x="0" y="0"/>
+          <a:ext cx="0" cy="0"/>
+          <a:chOff x="0" y="0"/>
+          <a:chExt cx="0" cy="0"/>
+        </a:xfrm>
+      </p:grpSpPr>
+      <p:sp>
+        <p:nvSpPr>
+          <p:cNvPr id="7" name="Text Placeholder 6">
+            <a:extLst>
+              <a:ext uri="{FF2B5EF4-FFF2-40B4-BE49-F238E27FC236}">
+                <a16:creationId xmlns:a16="http://schemas.microsoft.com/office/drawing/2014/main" id="{87FCC6D1-213C-4A86-A2D0-742E15438C09}"/>
+              </a:ext>
+            </a:extLst>
+          </p:cNvPr>
+          <p:cNvSpPr>
+            <a:spLocks noGrp="1"/>
+          </p:cNvSpPr>
+          <p:nvPr>
+            <p:ph type="body" sz="quarter" idx="17"/>
+          </p:nvPr>
+        </p:nvSpPr>
+        <p:spPr/>
+        <p:txBody>
+          <a:bodyPr/>
+          <a:lstStyle/>
+          <a:p>
+            <a:r>
+              <a:rPr lang="en-US" dirty="0"/>
+              <a:t>Lorem ipsum dolor sit amet, consectetur adipiscing elit. Phasellus auctor efficitur </a:t>
+            </a:r>
+            <a:br>
+              <a:rPr lang="en-US" dirty="0"/>
+            </a:br>
+            <a:r>
+              <a:rPr lang="en-US" dirty="0"/>
+              <a:t>duiet facilisis. </a:t>
+            </a:r>
+          </a:p>
+        </p:txBody>
+      </p:sp>
+      <p:sp>
+        <p:nvSpPr>
+          <p:cNvPr id="20" name="Text Placeholder 19">
+            <a:extLst>
+              <a:ext uri="{FF2B5EF4-FFF2-40B4-BE49-F238E27FC236}">
+                <a16:creationId xmlns:a16="http://schemas.microsoft.com/office/drawing/2014/main" id="{82414D74-66D2-4C65-A48E-39F723FB2B2F}"/>
+              </a:ext>
+            </a:extLst>
+          </p:cNvPr>
+          <p:cNvSpPr>
+            <a:spLocks noGrp="1"/>
+          </p:cNvSpPr>
+          <p:nvPr>
+            <p:ph type="body" sz="quarter" idx="18"/>
+          </p:nvPr>
+        </p:nvSpPr>
+        <p:spPr/>
+        <p:txBody>
+          <a:bodyPr/>
+          <a:lstStyle/>
+          <a:p>
+            <a:r>
+              <a:rPr lang="en-US" dirty="0"/>
+              <a:t>Lorem ipsum dolor sit amet, consectetur adipiscing elit. Phasellus auctor efficitur </a:t>
+            </a:r>
+            <a:br>
+              <a:rPr lang="en-US" dirty="0"/>
+            </a:br>
+            <a:r>
+              <a:rPr lang="en-US" dirty="0"/>
+              <a:t>duiet facilisis. </a:t>
+            </a:r>
+          </a:p>
+        </p:txBody>
+      </p:sp>
+      <p:sp>
+        <p:nvSpPr>
+          <p:cNvPr id="21" name="Text Placeholder 20">
+            <a:extLst>
+              <a:ext uri="{FF2B5EF4-FFF2-40B4-BE49-F238E27FC236}">
+                <a16:creationId xmlns:a16="http://schemas.microsoft.com/office/drawing/2014/main" id="{E4D7EF6E-37B1-4694-B769-3DDEC29D8381}"/>
+              </a:ext>
+            </a:extLst>
+          </p:cNvPr>
+          <p:cNvSpPr>
+            <a:spLocks noGrp="1"/>
+          </p:cNvSpPr>
+          <p:nvPr>
+            <p:ph type="body" sz="quarter" idx="19"/>
+          </p:nvPr>
+        </p:nvSpPr>
+        <p:spPr/>
+        <p:txBody>
+          <a:bodyPr/>
+          <a:lstStyle/>
+          <a:p>
+            <a:r>
+              <a:rPr lang="en-US" dirty="0"/>
+              <a:t>Lorem ipsum dolor sit amet, consectetur adipiscing elit. Phasellus auctor efficitur </a:t>
+            </a:r>
+            <a:br>
+              <a:rPr lang="en-US" dirty="0"/>
+            </a:br>
+            <a:r>
+              <a:rPr lang="en-US" dirty="0"/>
+              <a:t>duiet facilisis. </a:t>
+            </a:r>
+          </a:p>
+        </p:txBody>
+      </p:sp>
+      <p:sp>
+        <p:nvSpPr>
+          <p:cNvPr id="22" name="Text Placeholder 21">
+            <a:extLst>
+              <a:ext uri="{FF2B5EF4-FFF2-40B4-BE49-F238E27FC236}">
+                <a16:creationId xmlns:a16="http://schemas.microsoft.com/office/drawing/2014/main" id="{ABF89FBA-20AC-4FD7-833B-ADA0EEFFCADC}"/>
+              </a:ext>
+            </a:extLst>
+          </p:cNvPr>
+          <p:cNvSpPr>
+            <a:spLocks noGrp="1"/>
+          </p:cNvSpPr>
+          <p:nvPr>
+            <p:ph type="body" sz="quarter" idx="20"/>
+          </p:nvPr>
+        </p:nvSpPr>
+        <p:spPr/>
+        <p:txBody>
+          <a:bodyPr/>
+          <a:lstStyle/>
+          <a:p>
+            <a:r>
+              <a:rPr lang="en-US" dirty="0"/>
+              <a:t>Lorem ipsum dolor sit amet, consectetur adipiscing elit. Phasellus auctor efficitur </a:t>
+            </a:r>
+            <a:br>
+              <a:rPr lang="en-US" dirty="0"/>
+            </a:br>
+            <a:r>
+              <a:rPr lang="en-US" dirty="0"/>
+              <a:t>duiet facilisis. </a:t>
+            </a:r>
+          </a:p>
+        </p:txBody>
+      </p:sp>
+      <p:sp>
+        <p:nvSpPr>
+          <p:cNvPr id="5" name="Title 4">
+            <a:extLst>
+              <a:ext uri="{FF2B5EF4-FFF2-40B4-BE49-F238E27FC236}">
+                <a16:creationId xmlns:a16="http://schemas.microsoft.com/office/drawing/2014/main" id="{96DBE169-BA91-4B17-9AF2-4BAD528BEE06}"/>
+              </a:ext>
+            </a:extLst>
+          </p:cNvPr>
+          <p:cNvSpPr>
+            <a:spLocks noGrp="1"/>
+          </p:cNvSpPr>
+          <p:nvPr>
+            <p:ph type="title"/>
+          </p:nvPr>
+        </p:nvSpPr>
+        <p:spPr/>
+        <p:txBody>
+          <a:bodyPr/>
+          <a:lstStyle/>
+          <a:p>
+            <a:r>
+              <a:rPr lang="en-US" dirty="0"/>
+              <a:t>Click to Add Icon Slide Title Here</a:t>
+            </a:r>
+          </a:p>
+        </p:txBody>
+      </p:sp>
+      <p:sp>
+        <p:nvSpPr>
+          <p:cNvPr id="66" name="Text Placeholder 65">
+            <a:extLst>
+              <a:ext uri="{FF2B5EF4-FFF2-40B4-BE49-F238E27FC236}">
+                <a16:creationId xmlns:a16="http://schemas.microsoft.com/office/drawing/2014/main" id="{1AEF3ED8-A75C-4318-877C-139C98C0007D}"/>
+              </a:ext>
+            </a:extLst>
+          </p:cNvPr>
+          <p:cNvSpPr>
+            <a:spLocks noGrp="1"/>
+          </p:cNvSpPr>
+          <p:nvPr>
+            <p:ph type="body" sz="quarter" idx="12"/>
+          </p:nvPr>
+        </p:nvSpPr>
+        <p:spPr/>
+        <p:txBody>
+          <a:bodyPr>
+            <a:normAutofit/>
+          </a:bodyPr>
+          <a:lstStyle/>
+          <a:p>
+            <a:r>
+              <a:rPr lang="en-US" dirty="0"/>
+              <a:t>SUBTITLE GOES HERE</a:t>
+            </a:r>
+          </a:p>
+        </p:txBody>
+      </p:sp>
+      <p:sp>
+        <p:nvSpPr>
+          <p:cNvPr id="8" name="Text Placeholder 7">
+            <a:extLst>
+              <a:ext uri="{FF2B5EF4-FFF2-40B4-BE49-F238E27FC236}">
+                <a16:creationId xmlns:a16="http://schemas.microsoft.com/office/drawing/2014/main" id="{D9C2EAA8-D3C6-403B-B439-F95C60D0B3B9}"/>
+              </a:ext>
+            </a:extLst>
+          </p:cNvPr>
+          <p:cNvSpPr>
+            <a:spLocks noGrp="1"/>
+          </p:cNvSpPr>
+          <p:nvPr>
+            <p:ph type="body" sz="quarter" idx="11"/>
+          </p:nvPr>
+        </p:nvSpPr>
+        <p:spPr/>
+        <p:txBody>
+          <a:bodyPr/>
+          <a:lstStyle/>
+          <a:p>
+            <a:r>
+              <a:rPr lang="en-US" dirty="0"/>
+              <a:t>Lorem ipsum dolor sit amet, consectetur adipiscing elit. Phasellus auctor efficitur dui et facilisis. Pellentesque habitant morbi tristique senectus et netus et malesuada fames ac turpis egestas. Etiam molestie in quam ac viverra. Cras consequat gravida aliquam. Maecenas cursus eleifend risus, in vulputate velit imperdiet non. Aenean tincidunt euismod ultricies. Fusce tempor dui ipsum, nec ultricies ante eleifend vel curabitur.</a:t>
+            </a:r>
+          </a:p>
+        </p:txBody>
+      </p:sp>
+      <p:pic>
+        <p:nvPicPr>
+          <p:cNvPr id="40" name="Picture Placeholder 39" title="Decorative"/>
+          <p:cNvPicPr>
+            <a:picLocks noGrp="1" noChangeAspect="1"/>
+          </p:cNvPicPr>
+          <p:nvPr>
+            <p:ph type="pic" sz="quarter" idx="13"/>
+          </p:nvPr>
+        </p:nvPicPr>
+        <p:blipFill rotWithShape="1">
+          <a:blip r:embed="rId2" cstate="email">
+            <a:extLst>
+              <a:ext uri="{BEBA8EAE-BF5A-486C-A8C5-ECC9F3942E4B}">
+                <a14:imgProps xmlns:a14="http://schemas.microsoft.com/office/drawing/2010/main">
+                  <a14:imgLayer r:embed="rId3">
+                    <a14:imgEffect>
+                      <a14:brightnessContrast bright="-100000"/>
+                    </a14:imgEffect>
+                  </a14:imgLayer>
+                </a14:imgProps>
+              </a:ext>
+              <a:ext uri="{28A0092B-C50C-407E-A947-70E740481C1C}">
+                <a14:useLocalDpi xmlns:a14="http://schemas.microsoft.com/office/drawing/2010/main"/>
+              </a:ext>
+            </a:extLst>
+          </a:blip>
+          <a:srcRect l="-14976" t="-18769" r="-20858" b="-17066"/>
+          <a:stretch/>
+        </p:blipFill>
+        <p:spPr>
+          <a:prstGeom prst="rect">
+            <a:avLst/>
+          </a:prstGeom>
+        </p:spPr>
+      </p:pic>
+      <p:pic>
+        <p:nvPicPr>
+          <p:cNvPr id="41" name="Picture Placeholder 40" title="Decorative"/>
+          <p:cNvPicPr>
+            <a:picLocks noGrp="1" noChangeAspect="1"/>
+          </p:cNvPicPr>
+          <p:nvPr>
+            <p:ph type="pic" sz="quarter" idx="14"/>
+          </p:nvPr>
+        </p:nvPicPr>
+        <p:blipFill rotWithShape="1">
+          <a:blip r:embed="rId4" cstate="email">
+            <a:extLst>
+              <a:ext uri="{BEBA8EAE-BF5A-486C-A8C5-ECC9F3942E4B}">
+                <a14:imgProps xmlns:a14="http://schemas.microsoft.com/office/drawing/2010/main">
+                  <a14:imgLayer r:embed="rId5">
+                    <a14:imgEffect>
+                      <a14:brightnessContrast bright="-100000"/>
+                    </a14:imgEffect>
+                  </a14:imgLayer>
+                </a14:imgProps>
+              </a:ext>
+              <a:ext uri="{28A0092B-C50C-407E-A947-70E740481C1C}">
+                <a14:useLocalDpi xmlns:a14="http://schemas.microsoft.com/office/drawing/2010/main"/>
+              </a:ext>
+            </a:extLst>
+          </a:blip>
+          <a:srcRect l="-13860" t="-15649" r="-14314" b="-12525"/>
+          <a:stretch/>
+        </p:blipFill>
+        <p:spPr>
+          <a:prstGeom prst="rect">
+            <a:avLst/>
+          </a:prstGeom>
+        </p:spPr>
+      </p:pic>
+      <p:pic>
+        <p:nvPicPr>
+          <p:cNvPr id="42" name="Picture Placeholder 41" title="Decorative"/>
+          <p:cNvPicPr>
+            <a:picLocks noGrp="1" noChangeAspect="1"/>
+          </p:cNvPicPr>
+          <p:nvPr>
+            <p:ph type="pic" sz="quarter" idx="15"/>
+          </p:nvPr>
+        </p:nvPicPr>
+        <p:blipFill rotWithShape="1">
+          <a:blip r:embed="rId6" cstate="email">
+            <a:extLst>
+              <a:ext uri="{BEBA8EAE-BF5A-486C-A8C5-ECC9F3942E4B}">
+                <a14:imgProps xmlns:a14="http://schemas.microsoft.com/office/drawing/2010/main">
+                  <a14:imgLayer r:embed="rId7">
+                    <a14:imgEffect>
+                      <a14:brightnessContrast bright="-100000"/>
+                    </a14:imgEffect>
+                  </a14:imgLayer>
+                </a14:imgProps>
+              </a:ext>
+              <a:ext uri="{28A0092B-C50C-407E-A947-70E740481C1C}">
+                <a14:useLocalDpi xmlns:a14="http://schemas.microsoft.com/office/drawing/2010/main"/>
+              </a:ext>
+            </a:extLst>
+          </a:blip>
+          <a:srcRect l="-21524" t="-8482" r="-20795" b="-8139"/>
+          <a:stretch/>
+        </p:blipFill>
+        <p:spPr>
+          <a:prstGeom prst="rect">
+            <a:avLst/>
+          </a:prstGeom>
+        </p:spPr>
+      </p:pic>
+      <p:pic>
+        <p:nvPicPr>
+          <p:cNvPr id="43" name="Picture Placeholder 42" title="Decorative"/>
+          <p:cNvPicPr>
+            <a:picLocks noGrp="1" noChangeAspect="1"/>
+          </p:cNvPicPr>
+          <p:nvPr>
+            <p:ph type="pic" sz="quarter" idx="16"/>
+          </p:nvPr>
+        </p:nvPicPr>
+        <p:blipFill rotWithShape="1">
+          <a:blip r:embed="rId8" cstate="email">
+            <a:extLst>
+              <a:ext uri="{BEBA8EAE-BF5A-486C-A8C5-ECC9F3942E4B}">
+                <a14:imgProps xmlns:a14="http://schemas.microsoft.com/office/drawing/2010/main">
+                  <a14:imgLayer r:embed="rId9">
+                    <a14:imgEffect>
+                      <a14:brightnessContrast bright="-100000"/>
+                    </a14:imgEffect>
+                  </a14:imgLayer>
+                </a14:imgProps>
+              </a:ext>
+              <a:ext uri="{28A0092B-C50C-407E-A947-70E740481C1C}">
+                <a14:useLocalDpi xmlns:a14="http://schemas.microsoft.com/office/drawing/2010/main"/>
+              </a:ext>
+            </a:extLst>
+          </a:blip>
+          <a:srcRect l="-8214" t="-9857" r="-9487" b="-7844"/>
+          <a:stretch/>
+        </p:blipFill>
+        <p:spPr>
+          <a:prstGeom prst="rect">
+            <a:avLst/>
+          </a:prstGeom>
+        </p:spPr>
+      </p:pic>
+    </p:spTree>
+    <p:extLst>
+      <p:ext uri="{BB962C8B-B14F-4D97-AF65-F5344CB8AC3E}">
+        <p14:creationId xmlns:p14="http://schemas.microsoft.com/office/powerpoint/2010/main" val="2032607428"/>
+      </p:ext>
+    </p:extLst>
+  </p:cSld>
+  <p:clrMapOvr>
+    <a:masterClrMapping/>
+  </p:clrMapOvr>
+</p:sld>
+</file>
+
+<file path=ppt/slides/slide12.xml><?xml version="1.0" encoding="utf-8"?>
+<p:sld xmlns:a="http://schemas.openxmlformats.org/drawingml/2006/main" xmlns:r="http://schemas.openxmlformats.org/officeDocument/2006/relationships" xmlns:p="http://schemas.openxmlformats.org/presentationml/2006/main">
+  <p:cSld>
+    <p:spTree>
+      <p:nvGrpSpPr>
+        <p:cNvPr id="1" name=""/>
+        <p:cNvGrpSpPr/>
+        <p:nvPr/>
+      </p:nvGrpSpPr>
+      <p:grpSpPr>
+        <a:xfrm>
+          <a:off x="0" y="0"/>
+          <a:ext cx="0" cy="0"/>
+          <a:chOff x="0" y="0"/>
+          <a:chExt cx="0" cy="0"/>
+        </a:xfrm>
+      </p:grpSpPr>
+      <p:sp>
+        <p:nvSpPr>
           <p:cNvPr id="12" name="Title 11">
             <a:extLst>
               <a:ext uri="{FF2B5EF4-FFF2-40B4-BE49-F238E27FC236}">
@@ -21788,7 +22285,7 @@
 </p:sld>
 </file>
 
-<file path=ppt/slides/slide11.xml><?xml version="1.0" encoding="utf-8"?>
+<file path=ppt/slides/slide13.xml><?xml version="1.0" encoding="utf-8"?>
 <p:sld xmlns:a="http://schemas.openxmlformats.org/drawingml/2006/main" xmlns:r="http://schemas.openxmlformats.org/officeDocument/2006/relationships" xmlns:p="http://schemas.openxmlformats.org/presentationml/2006/main">
   <p:cSld>
     <p:spTree>
@@ -22086,10 +22583,10 @@
       </p:grpSpPr>
       <p:pic>
         <p:nvPicPr>
-          <p:cNvPr id="2054" name="Picture 6" descr="Women Shoes PNG - T Shirt, Button, Clothing, Dress, Hat, Shirt, Suit, Cap,  Zipper, Jeans, Suitcase, Tie, Backpack, Jacket, Women Bag, Belt, DRESS  Shirt, Boots, Polo Shirt, Hats. - CleanPNG / KissPNG">
-            <a:extLst>
-              <a:ext uri="{FF2B5EF4-FFF2-40B4-BE49-F238E27FC236}">
-                <a16:creationId xmlns:a16="http://schemas.microsoft.com/office/drawing/2014/main" id="{DEFE8B26-EAB5-4A38-9A6F-D7F0CB74FB28}"/>
+          <p:cNvPr id="1026" name="Picture 2" descr="most expensive shoes ever">
+            <a:extLst>
+              <a:ext uri="{FF2B5EF4-FFF2-40B4-BE49-F238E27FC236}">
+                <a16:creationId xmlns:a16="http://schemas.microsoft.com/office/drawing/2014/main" id="{E59AE5EA-4B49-4DDA-8F6A-A2C1596288D5}"/>
               </a:ext>
             </a:extLst>
           </p:cNvPr>
@@ -22097,7 +22594,7 @@
             <a:picLocks noGrp="1" noChangeAspect="1" noChangeArrowheads="1"/>
           </p:cNvPicPr>
           <p:nvPr>
-            <p:ph type="pic" sz="quarter" idx="12"/>
+            <p:ph type="pic" sz="quarter" idx="10"/>
           </p:nvPr>
         </p:nvPicPr>
         <p:blipFill rotWithShape="1">
@@ -22108,13 +22605,13 @@
               </a:ext>
             </a:extLst>
           </a:blip>
-          <a:srcRect l="16654" r="11741"/>
+          <a:srcRect t="5033" b="14799"/>
           <a:stretch/>
         </p:blipFill>
         <p:spPr bwMode="auto">
           <a:xfrm>
-            <a:off x="1" y="10"/>
-            <a:ext cx="4910666" cy="6857990"/>
+            <a:off x="20" y="10"/>
+            <a:ext cx="12191980" cy="5497965"/>
           </a:xfrm>
           <a:prstGeom prst="rect">
             <a:avLst/>
@@ -22135,384 +22632,50 @@
       </p:pic>
       <p:sp>
         <p:nvSpPr>
-          <p:cNvPr id="36" name="Text Placeholder 35">
-            <a:extLst>
-              <a:ext uri="{FF2B5EF4-FFF2-40B4-BE49-F238E27FC236}">
-                <a16:creationId xmlns:a16="http://schemas.microsoft.com/office/drawing/2014/main" id="{0391FA66-BCDC-4C12-B812-A0DEE14539EE}"/>
-              </a:ext>
-            </a:extLst>
-          </p:cNvPr>
-          <p:cNvSpPr>
-            <a:spLocks noGrp="1"/>
-          </p:cNvSpPr>
-          <p:nvPr>
-            <p:ph type="body" sz="quarter" idx="11"/>
-          </p:nvPr>
-        </p:nvSpPr>
-        <p:spPr>
-          <a:xfrm>
-            <a:off x="6295131" y="879710"/>
-            <a:ext cx="4801847" cy="755650"/>
-          </a:xfrm>
-        </p:spPr>
-        <p:txBody>
-          <a:bodyPr anchor="ctr">
-            <a:normAutofit/>
+          <p:cNvPr id="71" name="Title 2">
+            <a:extLst>
+              <a:ext uri="{FF2B5EF4-FFF2-40B4-BE49-F238E27FC236}">
+                <a16:creationId xmlns:a16="http://schemas.microsoft.com/office/drawing/2014/main" id="{88491A2C-2025-48F9-962B-303BAB95BD5A}"/>
+              </a:ext>
+            </a:extLst>
+          </p:cNvPr>
+          <p:cNvSpPr>
+            <a:spLocks noGrp="1"/>
+          </p:cNvSpPr>
+          <p:nvPr>
+            <p:ph type="title"/>
+          </p:nvPr>
+        </p:nvSpPr>
+        <p:spPr>
+          <a:xfrm>
+            <a:off x="853440" y="5688402"/>
+            <a:ext cx="8717280" cy="823070"/>
+          </a:xfrm>
+        </p:spPr>
+        <p:txBody>
+          <a:bodyPr>
+            <a:noAutofit/>
           </a:bodyPr>
           <a:lstStyle/>
           <a:p>
             <a:r>
-              <a:rPr lang="en-US" dirty="0"/>
-              <a:t>Lorem ipsum dolor sit amet, consectetur adipiscing elit phasellus auctor efficitur.</a:t>
-            </a:r>
-          </a:p>
-        </p:txBody>
-      </p:sp>
-      <p:sp>
-        <p:nvSpPr>
-          <p:cNvPr id="35" name="Text Placeholder 34">
-            <a:extLst>
-              <a:ext uri="{FF2B5EF4-FFF2-40B4-BE49-F238E27FC236}">
-                <a16:creationId xmlns:a16="http://schemas.microsoft.com/office/drawing/2014/main" id="{ADE35233-6DEE-4B97-AFFB-06DE78443B4A}"/>
-              </a:ext>
-            </a:extLst>
-          </p:cNvPr>
-          <p:cNvSpPr>
-            <a:spLocks noGrp="1"/>
-          </p:cNvSpPr>
-          <p:nvPr>
-            <p:ph type="body" sz="quarter" idx="13"/>
-          </p:nvPr>
-        </p:nvSpPr>
-        <p:spPr>
-          <a:xfrm>
-            <a:off x="6295131" y="1956155"/>
-            <a:ext cx="4801847" cy="755650"/>
-          </a:xfrm>
-        </p:spPr>
-        <p:txBody>
-          <a:bodyPr anchor="ctr">
-            <a:normAutofit/>
-          </a:bodyPr>
-          <a:lstStyle/>
-          <a:p>
-            <a:pPr>
-              <a:spcAft>
-                <a:spcPts val="600"/>
-              </a:spcAft>
-            </a:pPr>
-            <a:r>
-              <a:rPr lang="en-US" dirty="0"/>
-              <a:t>Lorem ipsum dolor sit amet, consectetur adipiscing elit phasellus auctor efficitur.</a:t>
-            </a:r>
-            <a:endParaRPr lang="en-US"/>
-          </a:p>
-        </p:txBody>
-      </p:sp>
-      <p:sp>
-        <p:nvSpPr>
-          <p:cNvPr id="34" name="Text Placeholder 33">
-            <a:extLst>
-              <a:ext uri="{FF2B5EF4-FFF2-40B4-BE49-F238E27FC236}">
-                <a16:creationId xmlns:a16="http://schemas.microsoft.com/office/drawing/2014/main" id="{187271B6-523F-4DCD-A006-84BF4C0C784C}"/>
-              </a:ext>
-            </a:extLst>
-          </p:cNvPr>
-          <p:cNvSpPr>
-            <a:spLocks noGrp="1"/>
-          </p:cNvSpPr>
-          <p:nvPr>
-            <p:ph type="body" sz="quarter" idx="14"/>
-          </p:nvPr>
-        </p:nvSpPr>
-        <p:spPr>
-          <a:xfrm>
-            <a:off x="6295131" y="3032600"/>
-            <a:ext cx="4801847" cy="755650"/>
-          </a:xfrm>
-        </p:spPr>
-        <p:txBody>
-          <a:bodyPr anchor="ctr">
-            <a:normAutofit/>
-          </a:bodyPr>
-          <a:lstStyle/>
-          <a:p>
-            <a:pPr>
-              <a:spcAft>
-                <a:spcPts val="600"/>
-              </a:spcAft>
-            </a:pPr>
-            <a:r>
-              <a:rPr lang="en-US" dirty="0"/>
-              <a:t>Lorem ipsum dolor sit amet, consectetur adipiscing elit phasellus auctor efficitur.</a:t>
-            </a:r>
-            <a:endParaRPr lang="en-US"/>
-          </a:p>
-        </p:txBody>
-      </p:sp>
-      <p:sp>
-        <p:nvSpPr>
-          <p:cNvPr id="33" name="Text Placeholder 32">
-            <a:extLst>
-              <a:ext uri="{FF2B5EF4-FFF2-40B4-BE49-F238E27FC236}">
-                <a16:creationId xmlns:a16="http://schemas.microsoft.com/office/drawing/2014/main" id="{F23411C8-1DB7-46A1-A6DC-41EACD30ED57}"/>
-              </a:ext>
-            </a:extLst>
-          </p:cNvPr>
-          <p:cNvSpPr>
-            <a:spLocks noGrp="1"/>
-          </p:cNvSpPr>
-          <p:nvPr>
-            <p:ph type="body" sz="quarter" idx="15"/>
-          </p:nvPr>
-        </p:nvSpPr>
-        <p:spPr>
-          <a:xfrm>
-            <a:off x="6295131" y="4109045"/>
-            <a:ext cx="4801847" cy="755650"/>
-          </a:xfrm>
-        </p:spPr>
-        <p:txBody>
-          <a:bodyPr anchor="ctr">
-            <a:normAutofit/>
-          </a:bodyPr>
-          <a:lstStyle/>
-          <a:p>
-            <a:pPr>
-              <a:spcAft>
-                <a:spcPts val="600"/>
-              </a:spcAft>
-            </a:pPr>
-            <a:r>
-              <a:rPr lang="en-US" dirty="0"/>
-              <a:t>Lorem ipsum dolor sit amet, consectetur adipiscing elit phasellus auctor efficitur.</a:t>
-            </a:r>
-            <a:endParaRPr lang="en-US"/>
-          </a:p>
-        </p:txBody>
-      </p:sp>
-      <p:sp>
-        <p:nvSpPr>
-          <p:cNvPr id="11" name="Text Placeholder 10">
-            <a:extLst>
-              <a:ext uri="{FF2B5EF4-FFF2-40B4-BE49-F238E27FC236}">
-                <a16:creationId xmlns:a16="http://schemas.microsoft.com/office/drawing/2014/main" id="{47B21F6A-5FD9-417C-9575-4DBC3185FD87}"/>
-              </a:ext>
-            </a:extLst>
-          </p:cNvPr>
-          <p:cNvSpPr>
-            <a:spLocks noGrp="1"/>
-          </p:cNvSpPr>
-          <p:nvPr>
-            <p:ph type="body" sz="quarter" idx="16"/>
-          </p:nvPr>
-        </p:nvSpPr>
-        <p:spPr>
-          <a:xfrm>
-            <a:off x="6295131" y="5185490"/>
-            <a:ext cx="4801847" cy="755650"/>
-          </a:xfrm>
-        </p:spPr>
-        <p:txBody>
-          <a:bodyPr anchor="ctr">
-            <a:normAutofit/>
-          </a:bodyPr>
-          <a:lstStyle/>
-          <a:p>
-            <a:pPr>
-              <a:spcAft>
-                <a:spcPts val="600"/>
-              </a:spcAft>
-            </a:pPr>
-            <a:r>
-              <a:rPr lang="en-US" dirty="0"/>
-              <a:t>Lorem ipsum dolor sit amet, consectetur adipiscing elit phasellus auctor efficitur.</a:t>
-            </a:r>
-            <a:endParaRPr lang="en-US"/>
-          </a:p>
-        </p:txBody>
-      </p:sp>
-      <p:sp>
-        <p:nvSpPr>
-          <p:cNvPr id="75" name="Text Placeholder 7">
-            <a:extLst>
-              <a:ext uri="{FF2B5EF4-FFF2-40B4-BE49-F238E27FC236}">
-                <a16:creationId xmlns:a16="http://schemas.microsoft.com/office/drawing/2014/main" id="{9CADEA23-0970-4999-9C7B-EEF6C91D35AF}"/>
-              </a:ext>
-            </a:extLst>
-          </p:cNvPr>
-          <p:cNvSpPr>
-            <a:spLocks noGrp="1"/>
-          </p:cNvSpPr>
-          <p:nvPr>
-            <p:ph type="body" sz="quarter" idx="17"/>
-          </p:nvPr>
-        </p:nvSpPr>
-        <p:spPr>
-          <a:xfrm>
-            <a:off x="5084074" y="879710"/>
-            <a:ext cx="741082" cy="755650"/>
-          </a:xfrm>
-        </p:spPr>
-        <p:txBody>
-          <a:bodyPr/>
-          <a:lstStyle/>
-          <a:p>
-            <a:endParaRPr lang="en-US"/>
-          </a:p>
-        </p:txBody>
-      </p:sp>
-      <p:sp>
-        <p:nvSpPr>
-          <p:cNvPr id="77" name="Text Placeholder 8">
-            <a:extLst>
-              <a:ext uri="{FF2B5EF4-FFF2-40B4-BE49-F238E27FC236}">
-                <a16:creationId xmlns:a16="http://schemas.microsoft.com/office/drawing/2014/main" id="{75472EA9-3DAB-4D8E-B2D5-1DC807EB2F61}"/>
-              </a:ext>
-            </a:extLst>
-          </p:cNvPr>
-          <p:cNvSpPr>
-            <a:spLocks noGrp="1"/>
-          </p:cNvSpPr>
-          <p:nvPr>
-            <p:ph type="body" sz="quarter" idx="18"/>
-          </p:nvPr>
-        </p:nvSpPr>
-        <p:spPr>
-          <a:xfrm>
-            <a:off x="5084074" y="1956155"/>
-            <a:ext cx="741082" cy="755650"/>
-          </a:xfrm>
-        </p:spPr>
-        <p:txBody>
-          <a:bodyPr/>
-          <a:lstStyle/>
-          <a:p>
-            <a:endParaRPr lang="en-US"/>
-          </a:p>
-        </p:txBody>
-      </p:sp>
-      <p:sp>
-        <p:nvSpPr>
-          <p:cNvPr id="79" name="Text Placeholder 9">
-            <a:extLst>
-              <a:ext uri="{FF2B5EF4-FFF2-40B4-BE49-F238E27FC236}">
-                <a16:creationId xmlns:a16="http://schemas.microsoft.com/office/drawing/2014/main" id="{FF342752-A5A2-452A-A430-2F6109E4EB9D}"/>
-              </a:ext>
-            </a:extLst>
-          </p:cNvPr>
-          <p:cNvSpPr>
-            <a:spLocks noGrp="1"/>
-          </p:cNvSpPr>
-          <p:nvPr>
-            <p:ph type="body" sz="quarter" idx="19"/>
-          </p:nvPr>
-        </p:nvSpPr>
-        <p:spPr>
-          <a:xfrm>
-            <a:off x="5084074" y="3032600"/>
-            <a:ext cx="741082" cy="755650"/>
-          </a:xfrm>
-        </p:spPr>
-        <p:txBody>
-          <a:bodyPr/>
-          <a:lstStyle/>
-          <a:p>
-            <a:endParaRPr lang="en-US"/>
-          </a:p>
-        </p:txBody>
-      </p:sp>
-      <p:sp>
-        <p:nvSpPr>
-          <p:cNvPr id="81" name="Text Placeholder 10">
-            <a:extLst>
-              <a:ext uri="{FF2B5EF4-FFF2-40B4-BE49-F238E27FC236}">
-                <a16:creationId xmlns:a16="http://schemas.microsoft.com/office/drawing/2014/main" id="{95032D2B-622D-4043-924C-1BC010DDB9BE}"/>
-              </a:ext>
-            </a:extLst>
-          </p:cNvPr>
-          <p:cNvSpPr>
-            <a:spLocks noGrp="1"/>
-          </p:cNvSpPr>
-          <p:nvPr>
-            <p:ph type="body" sz="quarter" idx="20"/>
-          </p:nvPr>
-        </p:nvSpPr>
-        <p:spPr>
-          <a:xfrm>
-            <a:off x="5084074" y="4109045"/>
-            <a:ext cx="741082" cy="755650"/>
-          </a:xfrm>
-        </p:spPr>
-        <p:txBody>
-          <a:bodyPr/>
-          <a:lstStyle/>
-          <a:p>
-            <a:endParaRPr lang="en-US"/>
-          </a:p>
-        </p:txBody>
-      </p:sp>
-      <p:sp>
-        <p:nvSpPr>
-          <p:cNvPr id="83" name="Text Placeholder 11">
-            <a:extLst>
-              <a:ext uri="{FF2B5EF4-FFF2-40B4-BE49-F238E27FC236}">
-                <a16:creationId xmlns:a16="http://schemas.microsoft.com/office/drawing/2014/main" id="{26FFDB6C-5FB9-4CD2-9DD4-34C3D0D51130}"/>
-              </a:ext>
-            </a:extLst>
-          </p:cNvPr>
-          <p:cNvSpPr>
-            <a:spLocks noGrp="1"/>
-          </p:cNvSpPr>
-          <p:nvPr>
-            <p:ph type="body" sz="quarter" idx="21"/>
-          </p:nvPr>
-        </p:nvSpPr>
-        <p:spPr>
-          <a:xfrm>
-            <a:off x="5084074" y="5185490"/>
-            <a:ext cx="741082" cy="755650"/>
-          </a:xfrm>
-        </p:spPr>
-        <p:txBody>
-          <a:bodyPr/>
-          <a:lstStyle/>
-          <a:p>
-            <a:endParaRPr lang="en-US"/>
-          </a:p>
-        </p:txBody>
-      </p:sp>
-      <p:sp>
-        <p:nvSpPr>
-          <p:cNvPr id="10" name="Title 9">
-            <a:extLst>
-              <a:ext uri="{FF2B5EF4-FFF2-40B4-BE49-F238E27FC236}">
-                <a16:creationId xmlns:a16="http://schemas.microsoft.com/office/drawing/2014/main" id="{B11BAC48-F4C4-46FB-96DC-423C381AC284}"/>
-              </a:ext>
-            </a:extLst>
-          </p:cNvPr>
-          <p:cNvSpPr>
-            <a:spLocks noGrp="1"/>
-          </p:cNvSpPr>
-          <p:nvPr>
-            <p:ph type="title"/>
-          </p:nvPr>
-        </p:nvSpPr>
-        <p:spPr>
-          <a:xfrm>
-            <a:off x="283287" y="879710"/>
-            <a:ext cx="2275389" cy="1025525"/>
-          </a:xfrm>
-        </p:spPr>
-        <p:txBody>
-          <a:bodyPr anchor="b">
-            <a:normAutofit/>
-          </a:bodyPr>
-          <a:lstStyle/>
-          <a:p>
-            <a:r>
-              <a:rPr lang="en-US" dirty="0"/>
-              <a:t>Agenda </a:t>
+              <a:rPr lang="en-US" sz="3200" dirty="0"/>
+              <a:t>Most Expensive Shoes - $19.9 million</a:t>
+            </a:r>
+            <a:br>
+              <a:rPr lang="en-US" sz="3200" dirty="0"/>
+            </a:br>
+            <a:r>
+              <a:rPr lang="en-US" sz="3200" dirty="0"/>
+              <a:t> Moon Star Shoes by Antonio </a:t>
+            </a:r>
+            <a:r>
+              <a:rPr lang="en-US" sz="3200" dirty="0" err="1"/>
+              <a:t>Vietri</a:t>
+            </a:r>
+            <a:r>
+              <a:rPr lang="en-US" sz="3200" dirty="0"/>
+              <a:t> </a:t>
             </a:r>
           </a:p>
         </p:txBody>
@@ -22520,7 +22683,7 @@
     </p:spTree>
     <p:extLst>
       <p:ext uri="{BB962C8B-B14F-4D97-AF65-F5344CB8AC3E}">
-        <p14:creationId xmlns:p14="http://schemas.microsoft.com/office/powerpoint/2010/main" val="2130115587"/>
+        <p14:creationId xmlns:p14="http://schemas.microsoft.com/office/powerpoint/2010/main" val="1436165788"/>
       </p:ext>
     </p:extLst>
   </p:cSld>
@@ -22549,101 +22712,95 @@
       </p:grpSpPr>
       <p:sp>
         <p:nvSpPr>
-          <p:cNvPr id="2" name="Picture Placeholder 1">
-            <a:extLst>
-              <a:ext uri="{FF2B5EF4-FFF2-40B4-BE49-F238E27FC236}">
-                <a16:creationId xmlns:a16="http://schemas.microsoft.com/office/drawing/2014/main" id="{BD605E5C-05D4-4142-94CE-A806DA00D5A5}"/>
-              </a:ext>
-            </a:extLst>
-          </p:cNvPr>
-          <p:cNvSpPr>
-            <a:spLocks noGrp="1"/>
-          </p:cNvSpPr>
+          <p:cNvPr id="71" name="Title 2">
+            <a:extLst>
+              <a:ext uri="{FF2B5EF4-FFF2-40B4-BE49-F238E27FC236}">
+                <a16:creationId xmlns:a16="http://schemas.microsoft.com/office/drawing/2014/main" id="{88491A2C-2025-48F9-962B-303BAB95BD5A}"/>
+              </a:ext>
+            </a:extLst>
+          </p:cNvPr>
+          <p:cNvSpPr>
+            <a:spLocks noGrp="1"/>
+          </p:cNvSpPr>
+          <p:nvPr>
+            <p:ph type="title"/>
+          </p:nvPr>
+        </p:nvSpPr>
+        <p:spPr>
+          <a:xfrm>
+            <a:off x="853440" y="5688402"/>
+            <a:ext cx="8717280" cy="823070"/>
+          </a:xfrm>
+        </p:spPr>
+        <p:txBody>
+          <a:bodyPr>
+            <a:noAutofit/>
+          </a:bodyPr>
+          <a:lstStyle/>
+          <a:p>
+            <a:r>
+              <a:rPr lang="en-US" sz="3200" dirty="0"/>
+              <a:t>Most Expensive Athletic Shoes - $60,000</a:t>
+            </a:r>
+            <a:br>
+              <a:rPr lang="en-US" sz="3200" dirty="0"/>
+            </a:br>
+            <a:r>
+              <a:rPr lang="en-US" sz="3200" dirty="0"/>
+              <a:t> Air Jordan Silver Shoes</a:t>
+            </a:r>
+          </a:p>
+        </p:txBody>
+      </p:sp>
+      <p:pic>
+        <p:nvPicPr>
+          <p:cNvPr id="2050" name="Picture 2" descr="most expensive basketball shoes">
+            <a:extLst>
+              <a:ext uri="{FF2B5EF4-FFF2-40B4-BE49-F238E27FC236}">
+                <a16:creationId xmlns:a16="http://schemas.microsoft.com/office/drawing/2014/main" id="{ED222BBA-8631-4563-A436-A04F5B29BD33}"/>
+              </a:ext>
+            </a:extLst>
+          </p:cNvPr>
+          <p:cNvPicPr>
+            <a:picLocks noGrp="1" noChangeAspect="1" noChangeArrowheads="1"/>
+          </p:cNvPicPr>
           <p:nvPr>
             <p:ph type="pic" sz="quarter" idx="10"/>
           </p:nvPr>
-        </p:nvSpPr>
-        <p:spPr/>
-      </p:sp>
-      <p:sp>
-        <p:nvSpPr>
-          <p:cNvPr id="3" name="Title 2">
-            <a:extLst>
-              <a:ext uri="{FF2B5EF4-FFF2-40B4-BE49-F238E27FC236}">
-                <a16:creationId xmlns:a16="http://schemas.microsoft.com/office/drawing/2014/main" id="{FB1F97BC-F70D-4AE6-85F1-E8E082B16D2D}"/>
-              </a:ext>
-            </a:extLst>
-          </p:cNvPr>
-          <p:cNvSpPr>
-            <a:spLocks noGrp="1"/>
-          </p:cNvSpPr>
-          <p:nvPr>
-            <p:ph type="title"/>
-          </p:nvPr>
-        </p:nvSpPr>
-        <p:spPr/>
-        <p:txBody>
-          <a:bodyPr/>
-          <a:lstStyle/>
-          <a:p>
-            <a:endParaRPr lang="en-US"/>
-          </a:p>
-        </p:txBody>
-      </p:sp>
-      <p:sp>
-        <p:nvSpPr>
-          <p:cNvPr id="4" name="Text Placeholder 3">
-            <a:extLst>
-              <a:ext uri="{FF2B5EF4-FFF2-40B4-BE49-F238E27FC236}">
-                <a16:creationId xmlns:a16="http://schemas.microsoft.com/office/drawing/2014/main" id="{D46FD7AB-F25D-4445-A296-6022E55F60B1}"/>
-              </a:ext>
-            </a:extLst>
-          </p:cNvPr>
-          <p:cNvSpPr>
-            <a:spLocks noGrp="1"/>
-          </p:cNvSpPr>
-          <p:nvPr>
-            <p:ph type="body" sz="quarter" idx="14"/>
-          </p:nvPr>
-        </p:nvSpPr>
-        <p:spPr/>
-        <p:txBody>
-          <a:bodyPr/>
-          <a:lstStyle/>
-          <a:p>
-            <a:endParaRPr lang="en-US"/>
-          </a:p>
-        </p:txBody>
-      </p:sp>
-      <p:sp>
-        <p:nvSpPr>
-          <p:cNvPr id="5" name="Text Placeholder 4">
-            <a:extLst>
-              <a:ext uri="{FF2B5EF4-FFF2-40B4-BE49-F238E27FC236}">
-                <a16:creationId xmlns:a16="http://schemas.microsoft.com/office/drawing/2014/main" id="{825AC5E7-5ADB-4F55-8302-F5CEDAB43FD4}"/>
-              </a:ext>
-            </a:extLst>
-          </p:cNvPr>
-          <p:cNvSpPr>
-            <a:spLocks noGrp="1"/>
-          </p:cNvSpPr>
-          <p:nvPr>
-            <p:ph type="body" sz="quarter" idx="16"/>
-          </p:nvPr>
-        </p:nvSpPr>
-        <p:spPr/>
-        <p:txBody>
-          <a:bodyPr/>
-          <a:lstStyle/>
-          <a:p>
-            <a:endParaRPr lang="en-US"/>
-          </a:p>
-        </p:txBody>
-      </p:sp>
+        </p:nvPicPr>
+        <p:blipFill>
+          <a:blip r:embed="rId2">
+            <a:extLst>
+              <a:ext uri="{28A0092B-C50C-407E-A947-70E740481C1C}">
+                <a14:useLocalDpi xmlns:a14="http://schemas.microsoft.com/office/drawing/2010/main" val="0"/>
+              </a:ext>
+            </a:extLst>
+          </a:blip>
+          <a:srcRect t="13927" b="13927"/>
+          <a:stretch>
+            <a:fillRect/>
+          </a:stretch>
+        </p:blipFill>
+        <p:spPr bwMode="auto">
+          <a:prstGeom prst="rect">
+            <a:avLst/>
+          </a:prstGeom>
+          <a:noFill/>
+          <a:extLst>
+            <a:ext uri="{909E8E84-426E-40DD-AFC4-6F175D3DCCD1}">
+              <a14:hiddenFill xmlns:a14="http://schemas.microsoft.com/office/drawing/2010/main">
+                <a:solidFill>
+                  <a:srgbClr val="FFFFFF"/>
+                </a:solidFill>
+              </a14:hiddenFill>
+            </a:ext>
+          </a:extLst>
+        </p:spPr>
+      </p:pic>
     </p:spTree>
     <p:extLst>
       <p:ext uri="{BB962C8B-B14F-4D97-AF65-F5344CB8AC3E}">
-        <p14:creationId xmlns:p14="http://schemas.microsoft.com/office/powerpoint/2010/main" val="3688795221"/>
+        <p14:creationId xmlns:p14="http://schemas.microsoft.com/office/powerpoint/2010/main" val="1294324971"/>
       </p:ext>
     </p:extLst>
   </p:cSld>
@@ -22670,12 +22827,52 @@
           <a:chExt cx="0" cy="0"/>
         </a:xfrm>
       </p:grpSpPr>
-      <p:sp>
-        <p:nvSpPr>
-          <p:cNvPr id="10" name="Text Placeholder 9">
-            <a:extLst>
-              <a:ext uri="{FF2B5EF4-FFF2-40B4-BE49-F238E27FC236}">
-                <a16:creationId xmlns:a16="http://schemas.microsoft.com/office/drawing/2014/main" id="{577946A2-8DCE-4047-9CAE-38128B4BAF3B}"/>
+      <p:pic>
+        <p:nvPicPr>
+          <p:cNvPr id="2054" name="Picture 6" descr="Women Shoes PNG - T Shirt, Button, Clothing, Dress, Hat, Shirt, Suit, Cap,  Zipper, Jeans, Suitcase, Tie, Backpack, Jacket, Women Bag, Belt, DRESS  Shirt, Boots, Polo Shirt, Hats. - CleanPNG / KissPNG">
+            <a:extLst>
+              <a:ext uri="{FF2B5EF4-FFF2-40B4-BE49-F238E27FC236}">
+                <a16:creationId xmlns:a16="http://schemas.microsoft.com/office/drawing/2014/main" id="{DEFE8B26-EAB5-4A38-9A6F-D7F0CB74FB28}"/>
+              </a:ext>
+            </a:extLst>
+          </p:cNvPr>
+          <p:cNvPicPr>
+            <a:picLocks noGrp="1" noChangeAspect="1" noChangeArrowheads="1"/>
+          </p:cNvPicPr>
+          <p:nvPr>
+            <p:ph type="pic" sz="quarter" idx="12"/>
+          </p:nvPr>
+        </p:nvPicPr>
+        <p:blipFill rotWithShape="1">
+          <a:blip r:embed="rId2">
+            <a:extLst>
+              <a:ext uri="{28A0092B-C50C-407E-A947-70E740481C1C}">
+                <a14:useLocalDpi xmlns:a14="http://schemas.microsoft.com/office/drawing/2010/main" val="0"/>
+              </a:ext>
+            </a:extLst>
+          </a:blip>
+          <a:srcRect l="16654" r="11741"/>
+          <a:stretch/>
+        </p:blipFill>
+        <p:spPr bwMode="auto">
+          <a:xfrm>
+            <a:off x="1" y="10"/>
+            <a:ext cx="4910666" cy="6857990"/>
+          </a:xfrm>
+          <a:prstGeom prst="rect">
+            <a:avLst/>
+          </a:prstGeom>
+          <a:solidFill>
+            <a:srgbClr val="FFFFFF"/>
+          </a:solidFill>
+        </p:spPr>
+      </p:pic>
+      <p:sp>
+        <p:nvSpPr>
+          <p:cNvPr id="36" name="Text Placeholder 35">
+            <a:extLst>
+              <a:ext uri="{FF2B5EF4-FFF2-40B4-BE49-F238E27FC236}">
+                <a16:creationId xmlns:a16="http://schemas.microsoft.com/office/drawing/2014/main" id="{0391FA66-BCDC-4C12-B812-A0DEE14539EE}"/>
               </a:ext>
             </a:extLst>
           </p:cNvPr>
@@ -22686,381 +22883,378 @@
             <p:ph type="body" sz="quarter" idx="11"/>
           </p:nvPr>
         </p:nvSpPr>
-        <p:spPr/>
+        <p:spPr>
+          <a:xfrm>
+            <a:off x="6295131" y="879710"/>
+            <a:ext cx="4801847" cy="755650"/>
+          </a:xfrm>
+        </p:spPr>
+        <p:txBody>
+          <a:bodyPr anchor="ctr">
+            <a:normAutofit/>
+          </a:bodyPr>
+          <a:lstStyle/>
+          <a:p>
+            <a:r>
+              <a:rPr lang="en-US" dirty="0"/>
+              <a:t>Lorem ipsum dolor sit amet, consectetur adipiscing elit phasellus auctor efficitur.</a:t>
+            </a:r>
+          </a:p>
+        </p:txBody>
+      </p:sp>
+      <p:sp>
+        <p:nvSpPr>
+          <p:cNvPr id="35" name="Text Placeholder 34">
+            <a:extLst>
+              <a:ext uri="{FF2B5EF4-FFF2-40B4-BE49-F238E27FC236}">
+                <a16:creationId xmlns:a16="http://schemas.microsoft.com/office/drawing/2014/main" id="{ADE35233-6DEE-4B97-AFFB-06DE78443B4A}"/>
+              </a:ext>
+            </a:extLst>
+          </p:cNvPr>
+          <p:cNvSpPr>
+            <a:spLocks noGrp="1"/>
+          </p:cNvSpPr>
+          <p:nvPr>
+            <p:ph type="body" sz="quarter" idx="13"/>
+          </p:nvPr>
+        </p:nvSpPr>
+        <p:spPr>
+          <a:xfrm>
+            <a:off x="6295131" y="1956155"/>
+            <a:ext cx="4801847" cy="755650"/>
+          </a:xfrm>
+        </p:spPr>
+        <p:txBody>
+          <a:bodyPr anchor="ctr">
+            <a:normAutofit/>
+          </a:bodyPr>
+          <a:lstStyle/>
+          <a:p>
+            <a:pPr>
+              <a:spcAft>
+                <a:spcPts val="600"/>
+              </a:spcAft>
+            </a:pPr>
+            <a:r>
+              <a:rPr lang="en-US" dirty="0"/>
+              <a:t>Lorem ipsum dolor sit amet, consectetur adipiscing elit phasellus auctor efficitur.</a:t>
+            </a:r>
+            <a:endParaRPr lang="en-US"/>
+          </a:p>
+        </p:txBody>
+      </p:sp>
+      <p:sp>
+        <p:nvSpPr>
+          <p:cNvPr id="34" name="Text Placeholder 33">
+            <a:extLst>
+              <a:ext uri="{FF2B5EF4-FFF2-40B4-BE49-F238E27FC236}">
+                <a16:creationId xmlns:a16="http://schemas.microsoft.com/office/drawing/2014/main" id="{187271B6-523F-4DCD-A006-84BF4C0C784C}"/>
+              </a:ext>
+            </a:extLst>
+          </p:cNvPr>
+          <p:cNvSpPr>
+            <a:spLocks noGrp="1"/>
+          </p:cNvSpPr>
+          <p:nvPr>
+            <p:ph type="body" sz="quarter" idx="14"/>
+          </p:nvPr>
+        </p:nvSpPr>
+        <p:spPr>
+          <a:xfrm>
+            <a:off x="6295131" y="3032600"/>
+            <a:ext cx="4801847" cy="755650"/>
+          </a:xfrm>
+        </p:spPr>
+        <p:txBody>
+          <a:bodyPr anchor="ctr">
+            <a:normAutofit/>
+          </a:bodyPr>
+          <a:lstStyle/>
+          <a:p>
+            <a:pPr>
+              <a:spcAft>
+                <a:spcPts val="600"/>
+              </a:spcAft>
+            </a:pPr>
+            <a:r>
+              <a:rPr lang="en-US" dirty="0"/>
+              <a:t>Lorem ipsum dolor sit amet, consectetur adipiscing elit phasellus auctor efficitur.</a:t>
+            </a:r>
+            <a:endParaRPr lang="en-US"/>
+          </a:p>
+        </p:txBody>
+      </p:sp>
+      <p:sp>
+        <p:nvSpPr>
+          <p:cNvPr id="33" name="Text Placeholder 32">
+            <a:extLst>
+              <a:ext uri="{FF2B5EF4-FFF2-40B4-BE49-F238E27FC236}">
+                <a16:creationId xmlns:a16="http://schemas.microsoft.com/office/drawing/2014/main" id="{F23411C8-1DB7-46A1-A6DC-41EACD30ED57}"/>
+              </a:ext>
+            </a:extLst>
+          </p:cNvPr>
+          <p:cNvSpPr>
+            <a:spLocks noGrp="1"/>
+          </p:cNvSpPr>
+          <p:nvPr>
+            <p:ph type="body" sz="quarter" idx="15"/>
+          </p:nvPr>
+        </p:nvSpPr>
+        <p:spPr>
+          <a:xfrm>
+            <a:off x="6295131" y="4109045"/>
+            <a:ext cx="4801847" cy="755650"/>
+          </a:xfrm>
+        </p:spPr>
+        <p:txBody>
+          <a:bodyPr anchor="ctr">
+            <a:normAutofit/>
+          </a:bodyPr>
+          <a:lstStyle/>
+          <a:p>
+            <a:pPr>
+              <a:spcAft>
+                <a:spcPts val="600"/>
+              </a:spcAft>
+            </a:pPr>
+            <a:r>
+              <a:rPr lang="en-US" dirty="0"/>
+              <a:t>Lorem ipsum dolor sit amet, consectetur adipiscing elit phasellus auctor efficitur.</a:t>
+            </a:r>
+            <a:endParaRPr lang="en-US"/>
+          </a:p>
+        </p:txBody>
+      </p:sp>
+      <p:sp>
+        <p:nvSpPr>
+          <p:cNvPr id="11" name="Text Placeholder 10">
+            <a:extLst>
+              <a:ext uri="{FF2B5EF4-FFF2-40B4-BE49-F238E27FC236}">
+                <a16:creationId xmlns:a16="http://schemas.microsoft.com/office/drawing/2014/main" id="{47B21F6A-5FD9-417C-9575-4DBC3185FD87}"/>
+              </a:ext>
+            </a:extLst>
+          </p:cNvPr>
+          <p:cNvSpPr>
+            <a:spLocks noGrp="1"/>
+          </p:cNvSpPr>
+          <p:nvPr>
+            <p:ph type="body" sz="quarter" idx="16"/>
+          </p:nvPr>
+        </p:nvSpPr>
+        <p:spPr>
+          <a:xfrm>
+            <a:off x="6295131" y="5185490"/>
+            <a:ext cx="4801847" cy="755650"/>
+          </a:xfrm>
+        </p:spPr>
+        <p:txBody>
+          <a:bodyPr anchor="ctr">
+            <a:normAutofit/>
+          </a:bodyPr>
+          <a:lstStyle/>
+          <a:p>
+            <a:pPr>
+              <a:spcAft>
+                <a:spcPts val="600"/>
+              </a:spcAft>
+            </a:pPr>
+            <a:r>
+              <a:rPr lang="en-US" dirty="0"/>
+              <a:t>Lorem ipsum dolor sit amet, consectetur adipiscing elit phasellus auctor efficitur.</a:t>
+            </a:r>
+            <a:endParaRPr lang="en-US"/>
+          </a:p>
+        </p:txBody>
+      </p:sp>
+      <p:sp>
+        <p:nvSpPr>
+          <p:cNvPr id="75" name="Text Placeholder 7">
+            <a:extLst>
+              <a:ext uri="{FF2B5EF4-FFF2-40B4-BE49-F238E27FC236}">
+                <a16:creationId xmlns:a16="http://schemas.microsoft.com/office/drawing/2014/main" id="{9CADEA23-0970-4999-9C7B-EEF6C91D35AF}"/>
+              </a:ext>
+            </a:extLst>
+          </p:cNvPr>
+          <p:cNvSpPr>
+            <a:spLocks noGrp="1"/>
+          </p:cNvSpPr>
+          <p:nvPr>
+            <p:ph type="body" sz="quarter" idx="17"/>
+          </p:nvPr>
+        </p:nvSpPr>
+        <p:spPr>
+          <a:xfrm>
+            <a:off x="5084074" y="879710"/>
+            <a:ext cx="741082" cy="755650"/>
+          </a:xfrm>
+        </p:spPr>
         <p:txBody>
           <a:bodyPr/>
           <a:lstStyle/>
           <a:p>
-            <a:r>
-              <a:rPr lang="en-US" dirty="0"/>
-              <a:t>Lorem ipsum dolor sit </a:t>
-            </a:r>
-            <a:r>
-              <a:rPr lang="en-US" dirty="0" err="1"/>
-              <a:t>amet</a:t>
-            </a:r>
-            <a:r>
-              <a:rPr lang="en-US" dirty="0"/>
-              <a:t>, </a:t>
-            </a:r>
-            <a:r>
-              <a:rPr lang="en-US" dirty="0" err="1"/>
-              <a:t>consectetur</a:t>
-            </a:r>
-            <a:r>
-              <a:rPr lang="en-US" dirty="0"/>
-              <a:t> </a:t>
-            </a:r>
-            <a:r>
-              <a:rPr lang="en-US" dirty="0" err="1"/>
-              <a:t>adipiscing</a:t>
-            </a:r>
-            <a:r>
-              <a:rPr lang="en-US" dirty="0"/>
-              <a:t> </a:t>
-            </a:r>
-            <a:r>
-              <a:rPr lang="en-US" dirty="0" err="1"/>
-              <a:t>elit</a:t>
-            </a:r>
-            <a:r>
-              <a:rPr lang="en-US" dirty="0"/>
-              <a:t>. </a:t>
-            </a:r>
-            <a:r>
-              <a:rPr lang="en-US" dirty="0" err="1"/>
-              <a:t>Phasellus</a:t>
-            </a:r>
-            <a:r>
-              <a:rPr lang="en-US" dirty="0"/>
-              <a:t> auctor </a:t>
-            </a:r>
-            <a:r>
-              <a:rPr lang="en-US" dirty="0" err="1"/>
-              <a:t>efficitur</a:t>
-            </a:r>
-            <a:r>
-              <a:rPr lang="en-US" dirty="0"/>
-              <a:t> dui et </a:t>
-            </a:r>
-            <a:r>
-              <a:rPr lang="en-US" dirty="0" err="1"/>
-              <a:t>facilisis</a:t>
-            </a:r>
-            <a:r>
-              <a:rPr lang="en-US" dirty="0"/>
-              <a:t>. </a:t>
-            </a:r>
-            <a:r>
-              <a:rPr lang="en-US" dirty="0" err="1"/>
-              <a:t>Pellentesque</a:t>
-            </a:r>
-            <a:r>
-              <a:rPr lang="en-US" dirty="0"/>
-              <a:t> habitant </a:t>
-            </a:r>
-            <a:r>
-              <a:rPr lang="en-US" dirty="0" err="1"/>
-              <a:t>morbi</a:t>
-            </a:r>
-            <a:r>
-              <a:rPr lang="en-US" dirty="0"/>
-              <a:t> </a:t>
-            </a:r>
-            <a:r>
-              <a:rPr lang="en-US" dirty="0" err="1"/>
-              <a:t>tristique</a:t>
-            </a:r>
-            <a:r>
-              <a:rPr lang="en-US" dirty="0"/>
-              <a:t> </a:t>
-            </a:r>
-            <a:r>
-              <a:rPr lang="en-US" dirty="0" err="1"/>
-              <a:t>senectus</a:t>
-            </a:r>
-            <a:r>
-              <a:rPr lang="en-US" dirty="0"/>
-              <a:t> et </a:t>
-            </a:r>
-            <a:r>
-              <a:rPr lang="en-US" dirty="0" err="1"/>
-              <a:t>netus</a:t>
-            </a:r>
-            <a:r>
-              <a:rPr lang="en-US" dirty="0"/>
-              <a:t> et </a:t>
-            </a:r>
-            <a:r>
-              <a:rPr lang="en-US" dirty="0" err="1"/>
-              <a:t>malesuada</a:t>
-            </a:r>
-            <a:r>
-              <a:rPr lang="en-US" dirty="0"/>
-              <a:t> fames ac </a:t>
-            </a:r>
-            <a:r>
-              <a:rPr lang="en-US" dirty="0" err="1"/>
-              <a:t>turpis</a:t>
-            </a:r>
-            <a:r>
-              <a:rPr lang="en-US" dirty="0"/>
-              <a:t> </a:t>
-            </a:r>
-            <a:r>
-              <a:rPr lang="en-US" dirty="0" err="1"/>
-              <a:t>egestas</a:t>
-            </a:r>
-            <a:r>
-              <a:rPr lang="en-US" dirty="0"/>
-              <a:t>. </a:t>
-            </a:r>
-            <a:r>
-              <a:rPr lang="en-US" dirty="0" err="1"/>
-              <a:t>Etiam</a:t>
-            </a:r>
-            <a:r>
-              <a:rPr lang="en-US" dirty="0"/>
-              <a:t> </a:t>
-            </a:r>
-            <a:r>
-              <a:rPr lang="en-US" dirty="0" err="1"/>
-              <a:t>molestie</a:t>
-            </a:r>
-            <a:r>
-              <a:rPr lang="en-US" dirty="0"/>
-              <a:t> in </a:t>
-            </a:r>
-            <a:r>
-              <a:rPr lang="en-US" dirty="0" err="1"/>
-              <a:t>quam</a:t>
-            </a:r>
-            <a:r>
-              <a:rPr lang="en-US" dirty="0"/>
-              <a:t> ac </a:t>
-            </a:r>
-            <a:r>
-              <a:rPr lang="en-US" dirty="0" err="1"/>
-              <a:t>viverra</a:t>
-            </a:r>
-            <a:r>
-              <a:rPr lang="en-US" dirty="0"/>
-              <a:t>. Cras </a:t>
-            </a:r>
-            <a:r>
-              <a:rPr lang="en-US" dirty="0" err="1"/>
-              <a:t>consequat</a:t>
-            </a:r>
-            <a:r>
-              <a:rPr lang="en-US" dirty="0"/>
-              <a:t> gravida </a:t>
-            </a:r>
-            <a:r>
-              <a:rPr lang="en-US" dirty="0" err="1"/>
-              <a:t>aliquam</a:t>
-            </a:r>
-            <a:r>
-              <a:rPr lang="en-US" dirty="0"/>
-              <a:t>. Maecenas cursus </a:t>
-            </a:r>
-            <a:r>
-              <a:rPr lang="en-US" dirty="0" err="1"/>
-              <a:t>eleifend</a:t>
-            </a:r>
-            <a:r>
-              <a:rPr lang="en-US" dirty="0"/>
-              <a:t> </a:t>
-            </a:r>
-            <a:r>
-              <a:rPr lang="en-US" dirty="0" err="1"/>
-              <a:t>risus</a:t>
-            </a:r>
-            <a:r>
-              <a:rPr lang="en-US" dirty="0"/>
-              <a:t>, in </a:t>
-            </a:r>
-            <a:r>
-              <a:rPr lang="en-US" dirty="0" err="1"/>
-              <a:t>vulputate</a:t>
-            </a:r>
-            <a:r>
-              <a:rPr lang="en-US" dirty="0"/>
-              <a:t> </a:t>
-            </a:r>
-            <a:r>
-              <a:rPr lang="en-US" dirty="0" err="1"/>
-              <a:t>velit</a:t>
-            </a:r>
-            <a:r>
-              <a:rPr lang="en-US" dirty="0"/>
-              <a:t> </a:t>
-            </a:r>
-            <a:r>
-              <a:rPr lang="en-US" dirty="0" err="1"/>
-              <a:t>imperdiet</a:t>
-            </a:r>
-            <a:r>
-              <a:rPr lang="en-US" dirty="0"/>
-              <a:t> non. Aenean </a:t>
-            </a:r>
-            <a:r>
-              <a:rPr lang="en-US" dirty="0" err="1"/>
-              <a:t>tincidunt</a:t>
-            </a:r>
-            <a:r>
-              <a:rPr lang="en-US" dirty="0"/>
-              <a:t> </a:t>
-            </a:r>
-            <a:r>
-              <a:rPr lang="en-US" dirty="0" err="1"/>
-              <a:t>euismod</a:t>
-            </a:r>
-            <a:r>
-              <a:rPr lang="en-US" dirty="0"/>
-              <a:t> </a:t>
-            </a:r>
-            <a:r>
-              <a:rPr lang="en-US" dirty="0" err="1"/>
-              <a:t>ultricies</a:t>
-            </a:r>
-            <a:r>
-              <a:rPr lang="en-US" dirty="0"/>
-              <a:t>. </a:t>
-            </a:r>
-            <a:r>
-              <a:rPr lang="en-US" dirty="0" err="1"/>
-              <a:t>Fusce</a:t>
-            </a:r>
-            <a:r>
-              <a:rPr lang="en-US" dirty="0"/>
-              <a:t> </a:t>
-            </a:r>
-            <a:r>
-              <a:rPr lang="en-US" dirty="0" err="1"/>
-              <a:t>tempor</a:t>
-            </a:r>
-            <a:r>
-              <a:rPr lang="en-US" dirty="0"/>
-              <a:t> dui ipsum, </a:t>
-            </a:r>
-            <a:r>
-              <a:rPr lang="en-US" dirty="0" err="1"/>
-              <a:t>nec</a:t>
-            </a:r>
-            <a:r>
-              <a:rPr lang="en-US" dirty="0"/>
-              <a:t> </a:t>
-            </a:r>
-            <a:r>
-              <a:rPr lang="en-US" dirty="0" err="1"/>
-              <a:t>ultricies</a:t>
-            </a:r>
-            <a:r>
-              <a:rPr lang="en-US" dirty="0"/>
-              <a:t> ante </a:t>
-            </a:r>
-            <a:r>
-              <a:rPr lang="en-US" dirty="0" err="1"/>
-              <a:t>eleifend</a:t>
-            </a:r>
-            <a:r>
-              <a:rPr lang="en-US" dirty="0"/>
-              <a:t> vel </a:t>
-            </a:r>
-            <a:r>
-              <a:rPr lang="en-US" dirty="0" err="1"/>
-              <a:t>curabitur</a:t>
-            </a:r>
-            <a:r>
-              <a:rPr lang="en-US" dirty="0"/>
-              <a:t>.</a:t>
-            </a:r>
-          </a:p>
-          <a:p>
-            <a:endParaRPr lang="en-US" dirty="0"/>
-          </a:p>
-        </p:txBody>
-      </p:sp>
-      <p:sp>
-        <p:nvSpPr>
-          <p:cNvPr id="8" name="Title 7">
-            <a:extLst>
-              <a:ext uri="{FF2B5EF4-FFF2-40B4-BE49-F238E27FC236}">
-                <a16:creationId xmlns:a16="http://schemas.microsoft.com/office/drawing/2014/main" id="{3BE52921-898C-4569-9D8A-F1C5E0ABE804}"/>
-              </a:ext>
-            </a:extLst>
-          </p:cNvPr>
-          <p:cNvSpPr>
-            <a:spLocks noGrp="1"/>
-          </p:cNvSpPr>
-          <p:nvPr>
-            <p:ph type="title"/>
-          </p:nvPr>
-        </p:nvSpPr>
-        <p:spPr/>
+            <a:endParaRPr lang="en-US"/>
+          </a:p>
+        </p:txBody>
+      </p:sp>
+      <p:sp>
+        <p:nvSpPr>
+          <p:cNvPr id="77" name="Text Placeholder 8">
+            <a:extLst>
+              <a:ext uri="{FF2B5EF4-FFF2-40B4-BE49-F238E27FC236}">
+                <a16:creationId xmlns:a16="http://schemas.microsoft.com/office/drawing/2014/main" id="{75472EA9-3DAB-4D8E-B2D5-1DC807EB2F61}"/>
+              </a:ext>
+            </a:extLst>
+          </p:cNvPr>
+          <p:cNvSpPr>
+            <a:spLocks noGrp="1"/>
+          </p:cNvSpPr>
+          <p:nvPr>
+            <p:ph type="body" sz="quarter" idx="18"/>
+          </p:nvPr>
+        </p:nvSpPr>
+        <p:spPr>
+          <a:xfrm>
+            <a:off x="5084074" y="1956155"/>
+            <a:ext cx="741082" cy="755650"/>
+          </a:xfrm>
+        </p:spPr>
         <p:txBody>
           <a:bodyPr/>
           <a:lstStyle/>
           <a:p>
+            <a:endParaRPr lang="en-US"/>
+          </a:p>
+        </p:txBody>
+      </p:sp>
+      <p:sp>
+        <p:nvSpPr>
+          <p:cNvPr id="79" name="Text Placeholder 9">
+            <a:extLst>
+              <a:ext uri="{FF2B5EF4-FFF2-40B4-BE49-F238E27FC236}">
+                <a16:creationId xmlns:a16="http://schemas.microsoft.com/office/drawing/2014/main" id="{FF342752-A5A2-452A-A430-2F6109E4EB9D}"/>
+              </a:ext>
+            </a:extLst>
+          </p:cNvPr>
+          <p:cNvSpPr>
+            <a:spLocks noGrp="1"/>
+          </p:cNvSpPr>
+          <p:nvPr>
+            <p:ph type="body" sz="quarter" idx="19"/>
+          </p:nvPr>
+        </p:nvSpPr>
+        <p:spPr>
+          <a:xfrm>
+            <a:off x="5084074" y="3032600"/>
+            <a:ext cx="741082" cy="755650"/>
+          </a:xfrm>
+        </p:spPr>
+        <p:txBody>
+          <a:bodyPr/>
+          <a:lstStyle/>
+          <a:p>
+            <a:endParaRPr lang="en-US"/>
+          </a:p>
+        </p:txBody>
+      </p:sp>
+      <p:sp>
+        <p:nvSpPr>
+          <p:cNvPr id="81" name="Text Placeholder 10">
+            <a:extLst>
+              <a:ext uri="{FF2B5EF4-FFF2-40B4-BE49-F238E27FC236}">
+                <a16:creationId xmlns:a16="http://schemas.microsoft.com/office/drawing/2014/main" id="{95032D2B-622D-4043-924C-1BC010DDB9BE}"/>
+              </a:ext>
+            </a:extLst>
+          </p:cNvPr>
+          <p:cNvSpPr>
+            <a:spLocks noGrp="1"/>
+          </p:cNvSpPr>
+          <p:nvPr>
+            <p:ph type="body" sz="quarter" idx="20"/>
+          </p:nvPr>
+        </p:nvSpPr>
+        <p:spPr>
+          <a:xfrm>
+            <a:off x="5084074" y="4109045"/>
+            <a:ext cx="741082" cy="755650"/>
+          </a:xfrm>
+        </p:spPr>
+        <p:txBody>
+          <a:bodyPr/>
+          <a:lstStyle/>
+          <a:p>
+            <a:endParaRPr lang="en-US"/>
+          </a:p>
+        </p:txBody>
+      </p:sp>
+      <p:sp>
+        <p:nvSpPr>
+          <p:cNvPr id="83" name="Text Placeholder 11">
+            <a:extLst>
+              <a:ext uri="{FF2B5EF4-FFF2-40B4-BE49-F238E27FC236}">
+                <a16:creationId xmlns:a16="http://schemas.microsoft.com/office/drawing/2014/main" id="{26FFDB6C-5FB9-4CD2-9DD4-34C3D0D51130}"/>
+              </a:ext>
+            </a:extLst>
+          </p:cNvPr>
+          <p:cNvSpPr>
+            <a:spLocks noGrp="1"/>
+          </p:cNvSpPr>
+          <p:nvPr>
+            <p:ph type="body" sz="quarter" idx="21"/>
+          </p:nvPr>
+        </p:nvSpPr>
+        <p:spPr>
+          <a:xfrm>
+            <a:off x="5084074" y="5185490"/>
+            <a:ext cx="741082" cy="755650"/>
+          </a:xfrm>
+        </p:spPr>
+        <p:txBody>
+          <a:bodyPr/>
+          <a:lstStyle/>
+          <a:p>
+            <a:endParaRPr lang="en-US"/>
+          </a:p>
+        </p:txBody>
+      </p:sp>
+      <p:sp>
+        <p:nvSpPr>
+          <p:cNvPr id="10" name="Title 9">
+            <a:extLst>
+              <a:ext uri="{FF2B5EF4-FFF2-40B4-BE49-F238E27FC236}">
+                <a16:creationId xmlns:a16="http://schemas.microsoft.com/office/drawing/2014/main" id="{B11BAC48-F4C4-46FB-96DC-423C381AC284}"/>
+              </a:ext>
+            </a:extLst>
+          </p:cNvPr>
+          <p:cNvSpPr>
+            <a:spLocks noGrp="1"/>
+          </p:cNvSpPr>
+          <p:nvPr>
+            <p:ph type="title"/>
+          </p:nvPr>
+        </p:nvSpPr>
+        <p:spPr>
+          <a:xfrm>
+            <a:off x="283287" y="879710"/>
+            <a:ext cx="2275389" cy="1025525"/>
+          </a:xfrm>
+        </p:spPr>
+        <p:txBody>
+          <a:bodyPr anchor="b">
+            <a:normAutofit/>
+          </a:bodyPr>
+          <a:lstStyle/>
+          <a:p>
             <a:r>
               <a:rPr lang="en-US" dirty="0"/>
-              <a:t>Click to Add Title Here</a:t>
-            </a:r>
-          </a:p>
-        </p:txBody>
-      </p:sp>
-      <p:pic>
-        <p:nvPicPr>
-          <p:cNvPr id="7" name="Picture Placeholder 6" title="Decorative"/>
-          <p:cNvPicPr>
-            <a:picLocks noGrp="1" noChangeAspect="1"/>
-          </p:cNvPicPr>
-          <p:nvPr>
-            <p:ph type="pic" sz="quarter" idx="10"/>
-          </p:nvPr>
-        </p:nvPicPr>
-        <p:blipFill rotWithShape="1">
-          <a:blip r:embed="rId2" cstate="email">
-            <a:extLst>
-              <a:ext uri="{28A0092B-C50C-407E-A947-70E740481C1C}">
-                <a14:useLocalDpi xmlns:a14="http://schemas.microsoft.com/office/drawing/2010/main"/>
-              </a:ext>
-            </a:extLst>
-          </a:blip>
-          <a:srcRect/>
-          <a:stretch/>
-        </p:blipFill>
-        <p:spPr/>
-      </p:pic>
-      <p:pic>
-        <p:nvPicPr>
-          <p:cNvPr id="9" name="Picture Placeholder 8" title="Decorative"/>
-          <p:cNvPicPr>
-            <a:picLocks noGrp="1" noChangeAspect="1"/>
-          </p:cNvPicPr>
-          <p:nvPr>
-            <p:ph type="pic" sz="quarter" idx="12"/>
-          </p:nvPr>
-        </p:nvPicPr>
-        <p:blipFill>
-          <a:blip r:embed="rId3" cstate="email">
-            <a:extLst>
-              <a:ext uri="{28A0092B-C50C-407E-A947-70E740481C1C}">
-                <a14:useLocalDpi xmlns:a14="http://schemas.microsoft.com/office/drawing/2010/main"/>
-              </a:ext>
-            </a:extLst>
-          </a:blip>
-          <a:srcRect/>
-          <a:stretch>
-            <a:fillRect/>
-          </a:stretch>
-        </p:blipFill>
-        <p:spPr/>
-      </p:pic>
+              <a:t>Agenda </a:t>
+            </a:r>
+          </a:p>
+        </p:txBody>
+      </p:sp>
     </p:spTree>
     <p:extLst>
       <p:ext uri="{BB962C8B-B14F-4D97-AF65-F5344CB8AC3E}">
-        <p14:creationId xmlns:p14="http://schemas.microsoft.com/office/powerpoint/2010/main" val="429917605"/>
+        <p14:creationId xmlns:p14="http://schemas.microsoft.com/office/powerpoint/2010/main" val="2130115587"/>
       </p:ext>
     </p:extLst>
   </p:cSld>
@@ -23087,35 +23281,30 @@
           <a:chExt cx="0" cy="0"/>
         </a:xfrm>
       </p:grpSpPr>
-      <p:pic>
-        <p:nvPicPr>
-          <p:cNvPr id="17" name="Picture Placeholder 16" title="Decorative"/>
-          <p:cNvPicPr>
-            <a:picLocks noGrp="1" noChangeAspect="1"/>
-          </p:cNvPicPr>
+      <p:sp>
+        <p:nvSpPr>
+          <p:cNvPr id="2" name="Picture Placeholder 1">
+            <a:extLst>
+              <a:ext uri="{FF2B5EF4-FFF2-40B4-BE49-F238E27FC236}">
+                <a16:creationId xmlns:a16="http://schemas.microsoft.com/office/drawing/2014/main" id="{BD605E5C-05D4-4142-94CE-A806DA00D5A5}"/>
+              </a:ext>
+            </a:extLst>
+          </p:cNvPr>
+          <p:cNvSpPr>
+            <a:spLocks noGrp="1"/>
+          </p:cNvSpPr>
           <p:nvPr>
             <p:ph type="pic" sz="quarter" idx="10"/>
           </p:nvPr>
-        </p:nvPicPr>
-        <p:blipFill rotWithShape="1">
-          <a:blip r:embed="rId2" cstate="email">
-            <a:extLst>
-              <a:ext uri="{28A0092B-C50C-407E-A947-70E740481C1C}">
-                <a14:useLocalDpi xmlns:a14="http://schemas.microsoft.com/office/drawing/2010/main"/>
-              </a:ext>
-            </a:extLst>
-          </a:blip>
-          <a:srcRect l="53" r="53"/>
-          <a:stretch/>
-        </p:blipFill>
+        </p:nvSpPr>
         <p:spPr/>
-      </p:pic>
-      <p:sp>
-        <p:nvSpPr>
-          <p:cNvPr id="5" name="Title 4">
-            <a:extLst>
-              <a:ext uri="{FF2B5EF4-FFF2-40B4-BE49-F238E27FC236}">
-                <a16:creationId xmlns:a16="http://schemas.microsoft.com/office/drawing/2014/main" id="{44A0257C-3D98-4E46-86D3-1B752C8374C9}"/>
+      </p:sp>
+      <p:sp>
+        <p:nvSpPr>
+          <p:cNvPr id="3" name="Title 2">
+            <a:extLst>
+              <a:ext uri="{FF2B5EF4-FFF2-40B4-BE49-F238E27FC236}">
+                <a16:creationId xmlns:a16="http://schemas.microsoft.com/office/drawing/2014/main" id="{FB1F97BC-F70D-4AE6-85F1-E8E082B16D2D}"/>
               </a:ext>
             </a:extLst>
           </p:cNvPr>
@@ -23124,43 +23313,6 @@
           </p:cNvSpPr>
           <p:nvPr>
             <p:ph type="title"/>
-          </p:nvPr>
-        </p:nvSpPr>
-        <p:spPr/>
-        <p:txBody>
-          <a:bodyPr>
-            <a:normAutofit fontScale="90000"/>
-          </a:bodyPr>
-          <a:lstStyle/>
-          <a:p>
-            <a:r>
-              <a:rPr lang="en-US" dirty="0"/>
-              <a:t>Click to </a:t>
-            </a:r>
-            <a:br>
-              <a:rPr lang="en-US" dirty="0"/>
-            </a:br>
-            <a:r>
-              <a:rPr lang="en-US" dirty="0"/>
-              <a:t>Add Title Here </a:t>
-            </a:r>
-          </a:p>
-        </p:txBody>
-      </p:sp>
-      <p:sp>
-        <p:nvSpPr>
-          <p:cNvPr id="7" name="Text Placeholder 6">
-            <a:extLst>
-              <a:ext uri="{FF2B5EF4-FFF2-40B4-BE49-F238E27FC236}">
-                <a16:creationId xmlns:a16="http://schemas.microsoft.com/office/drawing/2014/main" id="{A07FC37E-9058-4ED1-8333-F003F720C943}"/>
-              </a:ext>
-            </a:extLst>
-          </p:cNvPr>
-          <p:cNvSpPr>
-            <a:spLocks noGrp="1"/>
-          </p:cNvSpPr>
-          <p:nvPr>
-            <p:ph type="body" sz="quarter" idx="12"/>
           </p:nvPr>
         </p:nvSpPr>
         <p:spPr/>
@@ -23168,27 +23320,24 @@
           <a:bodyPr/>
           <a:lstStyle/>
           <a:p>
-            <a:r>
-              <a:rPr lang="en-US" dirty="0"/>
-              <a:t>Click to add title here</a:t>
-            </a:r>
-          </a:p>
-        </p:txBody>
-      </p:sp>
-      <p:sp>
-        <p:nvSpPr>
-          <p:cNvPr id="8" name="Text Placeholder 7">
-            <a:extLst>
-              <a:ext uri="{FF2B5EF4-FFF2-40B4-BE49-F238E27FC236}">
-                <a16:creationId xmlns:a16="http://schemas.microsoft.com/office/drawing/2014/main" id="{8DB1292A-975D-418D-86AF-8C3CD2A23AC3}"/>
-              </a:ext>
-            </a:extLst>
-          </p:cNvPr>
-          <p:cNvSpPr>
-            <a:spLocks noGrp="1"/>
-          </p:cNvSpPr>
-          <p:nvPr>
-            <p:ph type="body" sz="quarter" idx="15"/>
+            <a:endParaRPr lang="en-US"/>
+          </a:p>
+        </p:txBody>
+      </p:sp>
+      <p:sp>
+        <p:nvSpPr>
+          <p:cNvPr id="4" name="Text Placeholder 3">
+            <a:extLst>
+              <a:ext uri="{FF2B5EF4-FFF2-40B4-BE49-F238E27FC236}">
+                <a16:creationId xmlns:a16="http://schemas.microsoft.com/office/drawing/2014/main" id="{D46FD7AB-F25D-4445-A296-6022E55F60B1}"/>
+              </a:ext>
+            </a:extLst>
+          </p:cNvPr>
+          <p:cNvSpPr>
+            <a:spLocks noGrp="1"/>
+          </p:cNvSpPr>
+          <p:nvPr>
+            <p:ph type="body" sz="quarter" idx="14"/>
           </p:nvPr>
         </p:nvSpPr>
         <p:spPr/>
@@ -23196,16 +23345,19 @@
           <a:bodyPr/>
           <a:lstStyle/>
           <a:p>
-            <a:r>
-              <a:rPr lang="en-US" dirty="0"/>
-              <a:t>Lorem ipsum dolor sit amet, consectetur adipiscing elit. Phasellus auctor efficitur dui et facilisis. Pellentesque habitant morbi tristique senectus et netus et malesuada fames ac turpis egestas. Etiam molestie in quam ac viverra. </a:t>
-            </a:r>
-          </a:p>
-        </p:txBody>
-      </p:sp>
-      <p:sp>
-        <p:nvSpPr>
-          <p:cNvPr id="9" name="Text Placeholder 8"/>
+            <a:endParaRPr lang="en-US"/>
+          </a:p>
+        </p:txBody>
+      </p:sp>
+      <p:sp>
+        <p:nvSpPr>
+          <p:cNvPr id="5" name="Text Placeholder 4">
+            <a:extLst>
+              <a:ext uri="{FF2B5EF4-FFF2-40B4-BE49-F238E27FC236}">
+                <a16:creationId xmlns:a16="http://schemas.microsoft.com/office/drawing/2014/main" id="{825AC5E7-5ADB-4F55-8302-F5CEDAB43FD4}"/>
+              </a:ext>
+            </a:extLst>
+          </p:cNvPr>
           <p:cNvSpPr>
             <a:spLocks noGrp="1"/>
           </p:cNvSpPr>
@@ -23215,22 +23367,17 @@
         </p:nvSpPr>
         <p:spPr/>
         <p:txBody>
-          <a:bodyPr>
-            <a:normAutofit lnSpcReduction="10000"/>
-          </a:bodyPr>
+          <a:bodyPr/>
           <a:lstStyle/>
           <a:p>
-            <a:r>
-              <a:rPr lang="en-US" dirty="0"/>
-              <a:t>Lorem ipsum dolor sit amet, consectetur adipiscing elit. Phasellus auctor efficitur dui et facilisis. Pellentesque habitant morbi tristique senectus et netus et malesuada fames ac turpis egestas. Etiam molestie in quam ac viverra. </a:t>
-            </a:r>
+            <a:endParaRPr lang="en-US"/>
           </a:p>
         </p:txBody>
       </p:sp>
     </p:spTree>
     <p:extLst>
       <p:ext uri="{BB962C8B-B14F-4D97-AF65-F5344CB8AC3E}">
-        <p14:creationId xmlns:p14="http://schemas.microsoft.com/office/powerpoint/2010/main" val="268795821"/>
+        <p14:creationId xmlns:p14="http://schemas.microsoft.com/office/powerpoint/2010/main" val="3688795221"/>
       </p:ext>
     </p:extLst>
   </p:cSld>
@@ -23259,18 +23406,18 @@
       </p:grpSpPr>
       <p:sp>
         <p:nvSpPr>
-          <p:cNvPr id="8" name="Title 7">
-            <a:extLst>
-              <a:ext uri="{FF2B5EF4-FFF2-40B4-BE49-F238E27FC236}">
-                <a16:creationId xmlns:a16="http://schemas.microsoft.com/office/drawing/2014/main" id="{EF0240E2-270B-47F4-97C1-065A42CC2737}"/>
-              </a:ext>
-            </a:extLst>
-          </p:cNvPr>
-          <p:cNvSpPr>
-            <a:spLocks noGrp="1"/>
-          </p:cNvSpPr>
-          <p:nvPr>
-            <p:ph type="title"/>
+          <p:cNvPr id="10" name="Text Placeholder 9">
+            <a:extLst>
+              <a:ext uri="{FF2B5EF4-FFF2-40B4-BE49-F238E27FC236}">
+                <a16:creationId xmlns:a16="http://schemas.microsoft.com/office/drawing/2014/main" id="{577946A2-8DCE-4047-9CAE-38128B4BAF3B}"/>
+              </a:ext>
+            </a:extLst>
+          </p:cNvPr>
+          <p:cNvSpPr>
+            <a:spLocks noGrp="1"/>
+          </p:cNvSpPr>
+          <p:nvPr>
+            <p:ph type="body" sz="quarter" idx="11"/>
           </p:nvPr>
         </p:nvSpPr>
         <p:spPr/>
@@ -23280,25 +23427,308 @@
           <a:p>
             <a:r>
               <a:rPr lang="en-US" dirty="0"/>
-              <a:t>One Column Layout </a:t>
-            </a:r>
-          </a:p>
-        </p:txBody>
-      </p:sp>
-      <p:sp>
-        <p:nvSpPr>
-          <p:cNvPr id="9" name="Text Placeholder 8">
-            <a:extLst>
-              <a:ext uri="{FF2B5EF4-FFF2-40B4-BE49-F238E27FC236}">
-                <a16:creationId xmlns:a16="http://schemas.microsoft.com/office/drawing/2014/main" id="{06A574E0-4F1C-4569-ABD3-9707A8CD1831}"/>
-              </a:ext>
-            </a:extLst>
-          </p:cNvPr>
-          <p:cNvSpPr>
-            <a:spLocks noGrp="1"/>
-          </p:cNvSpPr>
-          <p:nvPr>
-            <p:ph type="body" sz="quarter" idx="12"/>
+              <a:t>Lorem ipsum dolor sit </a:t>
+            </a:r>
+            <a:r>
+              <a:rPr lang="en-US" dirty="0" err="1"/>
+              <a:t>amet</a:t>
+            </a:r>
+            <a:r>
+              <a:rPr lang="en-US" dirty="0"/>
+              <a:t>, </a:t>
+            </a:r>
+            <a:r>
+              <a:rPr lang="en-US" dirty="0" err="1"/>
+              <a:t>consectetur</a:t>
+            </a:r>
+            <a:r>
+              <a:rPr lang="en-US" dirty="0"/>
+              <a:t> </a:t>
+            </a:r>
+            <a:r>
+              <a:rPr lang="en-US" dirty="0" err="1"/>
+              <a:t>adipiscing</a:t>
+            </a:r>
+            <a:r>
+              <a:rPr lang="en-US" dirty="0"/>
+              <a:t> </a:t>
+            </a:r>
+            <a:r>
+              <a:rPr lang="en-US" dirty="0" err="1"/>
+              <a:t>elit</a:t>
+            </a:r>
+            <a:r>
+              <a:rPr lang="en-US" dirty="0"/>
+              <a:t>. </a:t>
+            </a:r>
+            <a:r>
+              <a:rPr lang="en-US" dirty="0" err="1"/>
+              <a:t>Phasellus</a:t>
+            </a:r>
+            <a:r>
+              <a:rPr lang="en-US" dirty="0"/>
+              <a:t> auctor </a:t>
+            </a:r>
+            <a:r>
+              <a:rPr lang="en-US" dirty="0" err="1"/>
+              <a:t>efficitur</a:t>
+            </a:r>
+            <a:r>
+              <a:rPr lang="en-US" dirty="0"/>
+              <a:t> dui et </a:t>
+            </a:r>
+            <a:r>
+              <a:rPr lang="en-US" dirty="0" err="1"/>
+              <a:t>facilisis</a:t>
+            </a:r>
+            <a:r>
+              <a:rPr lang="en-US" dirty="0"/>
+              <a:t>. </a:t>
+            </a:r>
+            <a:r>
+              <a:rPr lang="en-US" dirty="0" err="1"/>
+              <a:t>Pellentesque</a:t>
+            </a:r>
+            <a:r>
+              <a:rPr lang="en-US" dirty="0"/>
+              <a:t> habitant </a:t>
+            </a:r>
+            <a:r>
+              <a:rPr lang="en-US" dirty="0" err="1"/>
+              <a:t>morbi</a:t>
+            </a:r>
+            <a:r>
+              <a:rPr lang="en-US" dirty="0"/>
+              <a:t> </a:t>
+            </a:r>
+            <a:r>
+              <a:rPr lang="en-US" dirty="0" err="1"/>
+              <a:t>tristique</a:t>
+            </a:r>
+            <a:r>
+              <a:rPr lang="en-US" dirty="0"/>
+              <a:t> </a:t>
+            </a:r>
+            <a:r>
+              <a:rPr lang="en-US" dirty="0" err="1"/>
+              <a:t>senectus</a:t>
+            </a:r>
+            <a:r>
+              <a:rPr lang="en-US" dirty="0"/>
+              <a:t> et </a:t>
+            </a:r>
+            <a:r>
+              <a:rPr lang="en-US" dirty="0" err="1"/>
+              <a:t>netus</a:t>
+            </a:r>
+            <a:r>
+              <a:rPr lang="en-US" dirty="0"/>
+              <a:t> et </a:t>
+            </a:r>
+            <a:r>
+              <a:rPr lang="en-US" dirty="0" err="1"/>
+              <a:t>malesuada</a:t>
+            </a:r>
+            <a:r>
+              <a:rPr lang="en-US" dirty="0"/>
+              <a:t> fames ac </a:t>
+            </a:r>
+            <a:r>
+              <a:rPr lang="en-US" dirty="0" err="1"/>
+              <a:t>turpis</a:t>
+            </a:r>
+            <a:r>
+              <a:rPr lang="en-US" dirty="0"/>
+              <a:t> </a:t>
+            </a:r>
+            <a:r>
+              <a:rPr lang="en-US" dirty="0" err="1"/>
+              <a:t>egestas</a:t>
+            </a:r>
+            <a:r>
+              <a:rPr lang="en-US" dirty="0"/>
+              <a:t>. </a:t>
+            </a:r>
+            <a:r>
+              <a:rPr lang="en-US" dirty="0" err="1"/>
+              <a:t>Etiam</a:t>
+            </a:r>
+            <a:r>
+              <a:rPr lang="en-US" dirty="0"/>
+              <a:t> </a:t>
+            </a:r>
+            <a:r>
+              <a:rPr lang="en-US" dirty="0" err="1"/>
+              <a:t>molestie</a:t>
+            </a:r>
+            <a:r>
+              <a:rPr lang="en-US" dirty="0"/>
+              <a:t> in </a:t>
+            </a:r>
+            <a:r>
+              <a:rPr lang="en-US" dirty="0" err="1"/>
+              <a:t>quam</a:t>
+            </a:r>
+            <a:r>
+              <a:rPr lang="en-US" dirty="0"/>
+              <a:t> ac </a:t>
+            </a:r>
+            <a:r>
+              <a:rPr lang="en-US" dirty="0" err="1"/>
+              <a:t>viverra</a:t>
+            </a:r>
+            <a:r>
+              <a:rPr lang="en-US" dirty="0"/>
+              <a:t>. Cras </a:t>
+            </a:r>
+            <a:r>
+              <a:rPr lang="en-US" dirty="0" err="1"/>
+              <a:t>consequat</a:t>
+            </a:r>
+            <a:r>
+              <a:rPr lang="en-US" dirty="0"/>
+              <a:t> gravida </a:t>
+            </a:r>
+            <a:r>
+              <a:rPr lang="en-US" dirty="0" err="1"/>
+              <a:t>aliquam</a:t>
+            </a:r>
+            <a:r>
+              <a:rPr lang="en-US" dirty="0"/>
+              <a:t>. Maecenas cursus </a:t>
+            </a:r>
+            <a:r>
+              <a:rPr lang="en-US" dirty="0" err="1"/>
+              <a:t>eleifend</a:t>
+            </a:r>
+            <a:r>
+              <a:rPr lang="en-US" dirty="0"/>
+              <a:t> </a:t>
+            </a:r>
+            <a:r>
+              <a:rPr lang="en-US" dirty="0" err="1"/>
+              <a:t>risus</a:t>
+            </a:r>
+            <a:r>
+              <a:rPr lang="en-US" dirty="0"/>
+              <a:t>, in </a:t>
+            </a:r>
+            <a:r>
+              <a:rPr lang="en-US" dirty="0" err="1"/>
+              <a:t>vulputate</a:t>
+            </a:r>
+            <a:r>
+              <a:rPr lang="en-US" dirty="0"/>
+              <a:t> </a:t>
+            </a:r>
+            <a:r>
+              <a:rPr lang="en-US" dirty="0" err="1"/>
+              <a:t>velit</a:t>
+            </a:r>
+            <a:r>
+              <a:rPr lang="en-US" dirty="0"/>
+              <a:t> </a:t>
+            </a:r>
+            <a:r>
+              <a:rPr lang="en-US" dirty="0" err="1"/>
+              <a:t>imperdiet</a:t>
+            </a:r>
+            <a:r>
+              <a:rPr lang="en-US" dirty="0"/>
+              <a:t> non. Aenean </a:t>
+            </a:r>
+            <a:r>
+              <a:rPr lang="en-US" dirty="0" err="1"/>
+              <a:t>tincidunt</a:t>
+            </a:r>
+            <a:r>
+              <a:rPr lang="en-US" dirty="0"/>
+              <a:t> </a:t>
+            </a:r>
+            <a:r>
+              <a:rPr lang="en-US" dirty="0" err="1"/>
+              <a:t>euismod</a:t>
+            </a:r>
+            <a:r>
+              <a:rPr lang="en-US" dirty="0"/>
+              <a:t> </a:t>
+            </a:r>
+            <a:r>
+              <a:rPr lang="en-US" dirty="0" err="1"/>
+              <a:t>ultricies</a:t>
+            </a:r>
+            <a:r>
+              <a:rPr lang="en-US" dirty="0"/>
+              <a:t>. </a:t>
+            </a:r>
+            <a:r>
+              <a:rPr lang="en-US" dirty="0" err="1"/>
+              <a:t>Fusce</a:t>
+            </a:r>
+            <a:r>
+              <a:rPr lang="en-US" dirty="0"/>
+              <a:t> </a:t>
+            </a:r>
+            <a:r>
+              <a:rPr lang="en-US" dirty="0" err="1"/>
+              <a:t>tempor</a:t>
+            </a:r>
+            <a:r>
+              <a:rPr lang="en-US" dirty="0"/>
+              <a:t> dui ipsum, </a:t>
+            </a:r>
+            <a:r>
+              <a:rPr lang="en-US" dirty="0" err="1"/>
+              <a:t>nec</a:t>
+            </a:r>
+            <a:r>
+              <a:rPr lang="en-US" dirty="0"/>
+              <a:t> </a:t>
+            </a:r>
+            <a:r>
+              <a:rPr lang="en-US" dirty="0" err="1"/>
+              <a:t>ultricies</a:t>
+            </a:r>
+            <a:r>
+              <a:rPr lang="en-US" dirty="0"/>
+              <a:t> ante </a:t>
+            </a:r>
+            <a:r>
+              <a:rPr lang="en-US" dirty="0" err="1"/>
+              <a:t>eleifend</a:t>
+            </a:r>
+            <a:r>
+              <a:rPr lang="en-US" dirty="0"/>
+              <a:t> vel </a:t>
+            </a:r>
+            <a:r>
+              <a:rPr lang="en-US" dirty="0" err="1"/>
+              <a:t>curabitur</a:t>
+            </a:r>
+            <a:r>
+              <a:rPr lang="en-US" dirty="0"/>
+              <a:t>.</a:t>
+            </a:r>
+          </a:p>
+          <a:p>
+            <a:endParaRPr lang="en-US" dirty="0"/>
+          </a:p>
+        </p:txBody>
+      </p:sp>
+      <p:sp>
+        <p:nvSpPr>
+          <p:cNvPr id="8" name="Title 7">
+            <a:extLst>
+              <a:ext uri="{FF2B5EF4-FFF2-40B4-BE49-F238E27FC236}">
+                <a16:creationId xmlns:a16="http://schemas.microsoft.com/office/drawing/2014/main" id="{3BE52921-898C-4569-9D8A-F1C5E0ABE804}"/>
+              </a:ext>
+            </a:extLst>
+          </p:cNvPr>
+          <p:cNvSpPr>
+            <a:spLocks noGrp="1"/>
+          </p:cNvSpPr>
+          <p:nvPr>
+            <p:ph type="title"/>
           </p:nvPr>
         </p:nvSpPr>
         <p:spPr/>
@@ -23308,88 +23738,22 @@
           <a:p>
             <a:r>
               <a:rPr lang="en-US" dirty="0"/>
-              <a:t>Click to add title here</a:t>
-            </a:r>
-          </a:p>
-        </p:txBody>
-      </p:sp>
-      <p:sp>
-        <p:nvSpPr>
-          <p:cNvPr id="11" name="Text Placeholder 10">
-            <a:extLst>
-              <a:ext uri="{FF2B5EF4-FFF2-40B4-BE49-F238E27FC236}">
-                <a16:creationId xmlns:a16="http://schemas.microsoft.com/office/drawing/2014/main" id="{C752924E-B022-4FF4-B161-31F5531EC8DA}"/>
-              </a:ext>
-            </a:extLst>
-          </p:cNvPr>
-          <p:cNvSpPr>
-            <a:spLocks noGrp="1"/>
-          </p:cNvSpPr>
-          <p:nvPr>
-            <p:ph type="body" sz="quarter" idx="15"/>
-          </p:nvPr>
-        </p:nvSpPr>
-        <p:spPr/>
-        <p:txBody>
-          <a:bodyPr/>
-          <a:lstStyle/>
-          <a:p>
-            <a:r>
-              <a:rPr lang="en-US" dirty="0"/>
-              <a:t>Lorem ipsum dolor sit amet, </a:t>
-            </a:r>
-            <a:br>
-              <a:rPr lang="en-US" dirty="0"/>
-            </a:br>
-            <a:r>
-              <a:rPr lang="en-US" dirty="0"/>
-              <a:t>consectetur adipiscing elit.</a:t>
-            </a:r>
-          </a:p>
-          <a:p>
-            <a:r>
-              <a:rPr lang="en-US" dirty="0"/>
-              <a:t>Phasellus auctor efficitur dui et facilisis. </a:t>
-            </a:r>
-          </a:p>
-          <a:p>
-            <a:r>
-              <a:rPr lang="en-US" dirty="0"/>
-              <a:t>Pellentesque habitant morbi tristique senectus et netus et malesuada fames </a:t>
-            </a:r>
-            <a:br>
-              <a:rPr lang="en-US" dirty="0"/>
-            </a:br>
-            <a:r>
-              <a:rPr lang="en-US" dirty="0"/>
-              <a:t>ac turpis egestas. </a:t>
-            </a:r>
-          </a:p>
-          <a:p>
-            <a:r>
-              <a:rPr lang="en-US" dirty="0"/>
-              <a:t>Etiam molestie in quam ac viverra. </a:t>
-            </a:r>
-          </a:p>
-          <a:p>
-            <a:r>
-              <a:rPr lang="en-US" dirty="0"/>
-              <a:t>Cras consequat gravida aliquam. Maecenas cursus eleifend risus, in vulputate velit imperdiet non.Etiam molestie in quam ac viverra. </a:t>
+              <a:t>Click to Add Title Here</a:t>
             </a:r>
           </a:p>
         </p:txBody>
       </p:sp>
       <p:pic>
         <p:nvPicPr>
-          <p:cNvPr id="19" name="Picture Placeholder 18" title="Decorative"/>
+          <p:cNvPr id="7" name="Picture Placeholder 6" title="Decorative"/>
           <p:cNvPicPr>
             <a:picLocks noGrp="1" noChangeAspect="1"/>
           </p:cNvPicPr>
           <p:nvPr>
-            <p:ph type="pic" sz="quarter" idx="16"/>
+            <p:ph type="pic" sz="quarter" idx="10"/>
           </p:nvPr>
         </p:nvPicPr>
-        <p:blipFill>
+        <p:blipFill rotWithShape="1">
           <a:blip r:embed="rId2" cstate="email">
             <a:extLst>
               <a:ext uri="{28A0092B-C50C-407E-A947-70E740481C1C}">
@@ -23398,20 +23762,18 @@
             </a:extLst>
           </a:blip>
           <a:srcRect/>
-          <a:stretch>
-            <a:fillRect/>
-          </a:stretch>
+          <a:stretch/>
         </p:blipFill>
         <p:spPr/>
       </p:pic>
       <p:pic>
         <p:nvPicPr>
-          <p:cNvPr id="18" name="Picture Placeholder 15" title="Decorative"/>
+          <p:cNvPr id="9" name="Picture Placeholder 8" title="Decorative"/>
           <p:cNvPicPr>
             <a:picLocks noGrp="1" noChangeAspect="1"/>
           </p:cNvPicPr>
           <p:nvPr>
-            <p:ph type="pic" sz="quarter" idx="17"/>
+            <p:ph type="pic" sz="quarter" idx="12"/>
           </p:nvPr>
         </p:nvPicPr>
         <p:blipFill>
@@ -23432,7 +23794,7 @@
     </p:spTree>
     <p:extLst>
       <p:ext uri="{BB962C8B-B14F-4D97-AF65-F5344CB8AC3E}">
-        <p14:creationId xmlns:p14="http://schemas.microsoft.com/office/powerpoint/2010/main" val="2885941167"/>
+        <p14:creationId xmlns:p14="http://schemas.microsoft.com/office/powerpoint/2010/main" val="429917605"/>
       </p:ext>
     </p:extLst>
   </p:cSld>
@@ -23461,7 +23823,7 @@
       </p:grpSpPr>
       <p:pic>
         <p:nvPicPr>
-          <p:cNvPr id="7" name="Picture Placeholder 6" title="Decorative"/>
+          <p:cNvPr id="17" name="Picture Placeholder 16" title="Decorative"/>
           <p:cNvPicPr>
             <a:picLocks noGrp="1" noChangeAspect="1"/>
           </p:cNvPicPr>
@@ -23469,7 +23831,7 @@
             <p:ph type="pic" sz="quarter" idx="10"/>
           </p:nvPr>
         </p:nvPicPr>
-        <p:blipFill>
+        <p:blipFill rotWithShape="1">
           <a:blip r:embed="rId2" cstate="email">
             <a:extLst>
               <a:ext uri="{28A0092B-C50C-407E-A947-70E740481C1C}">
@@ -23477,43 +23839,124 @@
               </a:ext>
             </a:extLst>
           </a:blip>
-          <a:srcRect/>
-          <a:stretch>
-            <a:fillRect/>
-          </a:stretch>
+          <a:srcRect l="53" r="53"/>
+          <a:stretch/>
         </p:blipFill>
-        <p:spPr>
-          <a:xfrm flipH="1">
-            <a:off x="0" y="0"/>
-            <a:ext cx="12192000" cy="6858000"/>
-          </a:xfrm>
-        </p:spPr>
+        <p:spPr/>
       </p:pic>
       <p:sp>
         <p:nvSpPr>
-          <p:cNvPr id="3" name="Text Placeholder 2"/>
-          <p:cNvSpPr>
-            <a:spLocks noGrp="1"/>
-          </p:cNvSpPr>
-          <p:nvPr>
-            <p:ph type="body" sz="quarter" idx="14"/>
+          <p:cNvPr id="5" name="Title 4">
+            <a:extLst>
+              <a:ext uri="{FF2B5EF4-FFF2-40B4-BE49-F238E27FC236}">
+                <a16:creationId xmlns:a16="http://schemas.microsoft.com/office/drawing/2014/main" id="{44A0257C-3D98-4E46-86D3-1B752C8374C9}"/>
+              </a:ext>
+            </a:extLst>
+          </p:cNvPr>
+          <p:cNvSpPr>
+            <a:spLocks noGrp="1"/>
+          </p:cNvSpPr>
+          <p:nvPr>
+            <p:ph type="title"/>
           </p:nvPr>
         </p:nvSpPr>
         <p:spPr/>
         <p:txBody>
-          <a:bodyPr/>
+          <a:bodyPr>
+            <a:normAutofit fontScale="90000"/>
+          </a:bodyPr>
           <a:lstStyle/>
           <a:p>
             <a:r>
               <a:rPr lang="en-US" dirty="0"/>
-              <a:t>Click to Add </a:t>
+              <a:t>Click to </a:t>
             </a:r>
             <a:br>
               <a:rPr lang="en-US" dirty="0"/>
             </a:br>
             <a:r>
               <a:rPr lang="en-US" dirty="0"/>
-              <a:t>Picture Title Here </a:t>
+              <a:t>Add Title Here </a:t>
+            </a:r>
+          </a:p>
+        </p:txBody>
+      </p:sp>
+      <p:sp>
+        <p:nvSpPr>
+          <p:cNvPr id="7" name="Text Placeholder 6">
+            <a:extLst>
+              <a:ext uri="{FF2B5EF4-FFF2-40B4-BE49-F238E27FC236}">
+                <a16:creationId xmlns:a16="http://schemas.microsoft.com/office/drawing/2014/main" id="{A07FC37E-9058-4ED1-8333-F003F720C943}"/>
+              </a:ext>
+            </a:extLst>
+          </p:cNvPr>
+          <p:cNvSpPr>
+            <a:spLocks noGrp="1"/>
+          </p:cNvSpPr>
+          <p:nvPr>
+            <p:ph type="body" sz="quarter" idx="12"/>
+          </p:nvPr>
+        </p:nvSpPr>
+        <p:spPr/>
+        <p:txBody>
+          <a:bodyPr/>
+          <a:lstStyle/>
+          <a:p>
+            <a:r>
+              <a:rPr lang="en-US" dirty="0"/>
+              <a:t>Click to add title here</a:t>
+            </a:r>
+          </a:p>
+        </p:txBody>
+      </p:sp>
+      <p:sp>
+        <p:nvSpPr>
+          <p:cNvPr id="8" name="Text Placeholder 7">
+            <a:extLst>
+              <a:ext uri="{FF2B5EF4-FFF2-40B4-BE49-F238E27FC236}">
+                <a16:creationId xmlns:a16="http://schemas.microsoft.com/office/drawing/2014/main" id="{8DB1292A-975D-418D-86AF-8C3CD2A23AC3}"/>
+              </a:ext>
+            </a:extLst>
+          </p:cNvPr>
+          <p:cNvSpPr>
+            <a:spLocks noGrp="1"/>
+          </p:cNvSpPr>
+          <p:nvPr>
+            <p:ph type="body" sz="quarter" idx="15"/>
+          </p:nvPr>
+        </p:nvSpPr>
+        <p:spPr/>
+        <p:txBody>
+          <a:bodyPr/>
+          <a:lstStyle/>
+          <a:p>
+            <a:r>
+              <a:rPr lang="en-US" dirty="0"/>
+              <a:t>Lorem ipsum dolor sit amet, consectetur adipiscing elit. Phasellus auctor efficitur dui et facilisis. Pellentesque habitant morbi tristique senectus et netus et malesuada fames ac turpis egestas. Etiam molestie in quam ac viverra. </a:t>
+            </a:r>
+          </a:p>
+        </p:txBody>
+      </p:sp>
+      <p:sp>
+        <p:nvSpPr>
+          <p:cNvPr id="9" name="Text Placeholder 8"/>
+          <p:cNvSpPr>
+            <a:spLocks noGrp="1"/>
+          </p:cNvSpPr>
+          <p:nvPr>
+            <p:ph type="body" sz="quarter" idx="16"/>
+          </p:nvPr>
+        </p:nvSpPr>
+        <p:spPr/>
+        <p:txBody>
+          <a:bodyPr>
+            <a:normAutofit lnSpcReduction="10000"/>
+          </a:bodyPr>
+          <a:lstStyle/>
+          <a:p>
+            <a:r>
+              <a:rPr lang="en-US" dirty="0"/>
+              <a:t>Lorem ipsum dolor sit amet, consectetur adipiscing elit. Phasellus auctor efficitur dui et facilisis. Pellentesque habitant morbi tristique senectus et netus et malesuada fames ac turpis egestas. Etiam molestie in quam ac viverra. </a:t>
             </a:r>
           </a:p>
         </p:txBody>
@@ -23521,7 +23964,7 @@
     </p:spTree>
     <p:extLst>
       <p:ext uri="{BB962C8B-B14F-4D97-AF65-F5344CB8AC3E}">
-        <p14:creationId xmlns:p14="http://schemas.microsoft.com/office/powerpoint/2010/main" val="1415924349"/>
+        <p14:creationId xmlns:p14="http://schemas.microsoft.com/office/powerpoint/2010/main" val="268795821"/>
       </p:ext>
     </p:extLst>
   </p:cSld>
@@ -23550,10 +23993,10 @@
       </p:grpSpPr>
       <p:sp>
         <p:nvSpPr>
-          <p:cNvPr id="4" name="Title 3">
-            <a:extLst>
-              <a:ext uri="{FF2B5EF4-FFF2-40B4-BE49-F238E27FC236}">
-                <a16:creationId xmlns:a16="http://schemas.microsoft.com/office/drawing/2014/main" id="{997EAB6E-5FFF-4923-BC7F-D2C71AD246DB}"/>
+          <p:cNvPr id="8" name="Title 7">
+            <a:extLst>
+              <a:ext uri="{FF2B5EF4-FFF2-40B4-BE49-F238E27FC236}">
+                <a16:creationId xmlns:a16="http://schemas.microsoft.com/office/drawing/2014/main" id="{EF0240E2-270B-47F4-97C1-065A42CC2737}"/>
               </a:ext>
             </a:extLst>
           </p:cNvPr>
@@ -23566,57 +24009,164 @@
         </p:nvSpPr>
         <p:spPr/>
         <p:txBody>
-          <a:bodyPr>
-            <a:normAutofit fontScale="90000"/>
-          </a:bodyPr>
+          <a:bodyPr/>
           <a:lstStyle/>
           <a:p>
             <a:r>
               <a:rPr lang="en-US" dirty="0"/>
-              <a:t>Section </a:t>
+              <a:t>One Column Layout </a:t>
+            </a:r>
+          </a:p>
+        </p:txBody>
+      </p:sp>
+      <p:sp>
+        <p:nvSpPr>
+          <p:cNvPr id="9" name="Text Placeholder 8">
+            <a:extLst>
+              <a:ext uri="{FF2B5EF4-FFF2-40B4-BE49-F238E27FC236}">
+                <a16:creationId xmlns:a16="http://schemas.microsoft.com/office/drawing/2014/main" id="{06A574E0-4F1C-4569-ABD3-9707A8CD1831}"/>
+              </a:ext>
+            </a:extLst>
+          </p:cNvPr>
+          <p:cNvSpPr>
+            <a:spLocks noGrp="1"/>
+          </p:cNvSpPr>
+          <p:nvPr>
+            <p:ph type="body" sz="quarter" idx="12"/>
+          </p:nvPr>
+        </p:nvSpPr>
+        <p:spPr/>
+        <p:txBody>
+          <a:bodyPr/>
+          <a:lstStyle/>
+          <a:p>
+            <a:r>
+              <a:rPr lang="en-US" dirty="0"/>
+              <a:t>Click to add title here</a:t>
+            </a:r>
+          </a:p>
+        </p:txBody>
+      </p:sp>
+      <p:sp>
+        <p:nvSpPr>
+          <p:cNvPr id="11" name="Text Placeholder 10">
+            <a:extLst>
+              <a:ext uri="{FF2B5EF4-FFF2-40B4-BE49-F238E27FC236}">
+                <a16:creationId xmlns:a16="http://schemas.microsoft.com/office/drawing/2014/main" id="{C752924E-B022-4FF4-B161-31F5531EC8DA}"/>
+              </a:ext>
+            </a:extLst>
+          </p:cNvPr>
+          <p:cNvSpPr>
+            <a:spLocks noGrp="1"/>
+          </p:cNvSpPr>
+          <p:nvPr>
+            <p:ph type="body" sz="quarter" idx="15"/>
+          </p:nvPr>
+        </p:nvSpPr>
+        <p:spPr/>
+        <p:txBody>
+          <a:bodyPr/>
+          <a:lstStyle/>
+          <a:p>
+            <a:r>
+              <a:rPr lang="en-US" dirty="0"/>
+              <a:t>Lorem ipsum dolor sit amet, </a:t>
             </a:r>
             <a:br>
               <a:rPr lang="en-US" dirty="0"/>
             </a:br>
             <a:r>
               <a:rPr lang="en-US" dirty="0"/>
-              <a:t>Header </a:t>
-            </a:r>
-          </a:p>
-        </p:txBody>
-      </p:sp>
-      <p:sp>
-        <p:nvSpPr>
-          <p:cNvPr id="5" name="Text Placeholder 4">
-            <a:extLst>
-              <a:ext uri="{FF2B5EF4-FFF2-40B4-BE49-F238E27FC236}">
-                <a16:creationId xmlns:a16="http://schemas.microsoft.com/office/drawing/2014/main" id="{DBE20D5C-43B3-4BCF-8700-BD30912F7568}"/>
-              </a:ext>
-            </a:extLst>
-          </p:cNvPr>
-          <p:cNvSpPr>
-            <a:spLocks noGrp="1"/>
-          </p:cNvSpPr>
-          <p:nvPr>
-            <p:ph type="body" sz="quarter" idx="10"/>
-          </p:nvPr>
-        </p:nvSpPr>
+              <a:t>consectetur adipiscing elit.</a:t>
+            </a:r>
+          </a:p>
+          <a:p>
+            <a:r>
+              <a:rPr lang="en-US" dirty="0"/>
+              <a:t>Phasellus auctor efficitur dui et facilisis. </a:t>
+            </a:r>
+          </a:p>
+          <a:p>
+            <a:r>
+              <a:rPr lang="en-US" dirty="0"/>
+              <a:t>Pellentesque habitant morbi tristique senectus et netus et malesuada fames </a:t>
+            </a:r>
+            <a:br>
+              <a:rPr lang="en-US" dirty="0"/>
+            </a:br>
+            <a:r>
+              <a:rPr lang="en-US" dirty="0"/>
+              <a:t>ac turpis egestas. </a:t>
+            </a:r>
+          </a:p>
+          <a:p>
+            <a:r>
+              <a:rPr lang="en-US" dirty="0"/>
+              <a:t>Etiam molestie in quam ac viverra. </a:t>
+            </a:r>
+          </a:p>
+          <a:p>
+            <a:r>
+              <a:rPr lang="en-US" dirty="0"/>
+              <a:t>Cras consequat gravida aliquam. Maecenas cursus eleifend risus, in vulputate velit imperdiet non.Etiam molestie in quam ac viverra. </a:t>
+            </a:r>
+          </a:p>
+        </p:txBody>
+      </p:sp>
+      <p:pic>
+        <p:nvPicPr>
+          <p:cNvPr id="19" name="Picture Placeholder 18" title="Decorative"/>
+          <p:cNvPicPr>
+            <a:picLocks noGrp="1" noChangeAspect="1"/>
+          </p:cNvPicPr>
+          <p:nvPr>
+            <p:ph type="pic" sz="quarter" idx="16"/>
+          </p:nvPr>
+        </p:nvPicPr>
+        <p:blipFill>
+          <a:blip r:embed="rId2" cstate="email">
+            <a:extLst>
+              <a:ext uri="{28A0092B-C50C-407E-A947-70E740481C1C}">
+                <a14:useLocalDpi xmlns:a14="http://schemas.microsoft.com/office/drawing/2010/main"/>
+              </a:ext>
+            </a:extLst>
+          </a:blip>
+          <a:srcRect/>
+          <a:stretch>
+            <a:fillRect/>
+          </a:stretch>
+        </p:blipFill>
         <p:spPr/>
-        <p:txBody>
-          <a:bodyPr/>
-          <a:lstStyle/>
-          <a:p>
-            <a:r>
-              <a:rPr lang="en-US" dirty="0"/>
-              <a:t>1</a:t>
-            </a:r>
-          </a:p>
-        </p:txBody>
-      </p:sp>
+      </p:pic>
+      <p:pic>
+        <p:nvPicPr>
+          <p:cNvPr id="18" name="Picture Placeholder 15" title="Decorative"/>
+          <p:cNvPicPr>
+            <a:picLocks noGrp="1" noChangeAspect="1"/>
+          </p:cNvPicPr>
+          <p:nvPr>
+            <p:ph type="pic" sz="quarter" idx="17"/>
+          </p:nvPr>
+        </p:nvPicPr>
+        <p:blipFill>
+          <a:blip r:embed="rId3" cstate="email">
+            <a:extLst>
+              <a:ext uri="{28A0092B-C50C-407E-A947-70E740481C1C}">
+                <a14:useLocalDpi xmlns:a14="http://schemas.microsoft.com/office/drawing/2010/main"/>
+              </a:ext>
+            </a:extLst>
+          </a:blip>
+          <a:srcRect/>
+          <a:stretch>
+            <a:fillRect/>
+          </a:stretch>
+        </p:blipFill>
+        <p:spPr/>
+      </p:pic>
     </p:spTree>
     <p:extLst>
       <p:ext uri="{BB962C8B-B14F-4D97-AF65-F5344CB8AC3E}">
-        <p14:creationId xmlns:p14="http://schemas.microsoft.com/office/powerpoint/2010/main" val="660194915"/>
+        <p14:creationId xmlns:p14="http://schemas.microsoft.com/office/powerpoint/2010/main" val="2885941167"/>
       </p:ext>
     </p:extLst>
   </p:cSld>
@@ -23643,20 +24193,44 @@
           <a:chExt cx="0" cy="0"/>
         </a:xfrm>
       </p:grpSpPr>
-      <p:sp>
-        <p:nvSpPr>
-          <p:cNvPr id="7" name="Text Placeholder 6">
-            <a:extLst>
-              <a:ext uri="{FF2B5EF4-FFF2-40B4-BE49-F238E27FC236}">
-                <a16:creationId xmlns:a16="http://schemas.microsoft.com/office/drawing/2014/main" id="{87FCC6D1-213C-4A86-A2D0-742E15438C09}"/>
-              </a:ext>
-            </a:extLst>
-          </p:cNvPr>
-          <p:cNvSpPr>
-            <a:spLocks noGrp="1"/>
-          </p:cNvSpPr>
-          <p:nvPr>
-            <p:ph type="body" sz="quarter" idx="17"/>
+      <p:pic>
+        <p:nvPicPr>
+          <p:cNvPr id="7" name="Picture Placeholder 6" title="Decorative"/>
+          <p:cNvPicPr>
+            <a:picLocks noGrp="1" noChangeAspect="1"/>
+          </p:cNvPicPr>
+          <p:nvPr>
+            <p:ph type="pic" sz="quarter" idx="10"/>
+          </p:nvPr>
+        </p:nvPicPr>
+        <p:blipFill>
+          <a:blip r:embed="rId2" cstate="email">
+            <a:extLst>
+              <a:ext uri="{28A0092B-C50C-407E-A947-70E740481C1C}">
+                <a14:useLocalDpi xmlns:a14="http://schemas.microsoft.com/office/drawing/2010/main"/>
+              </a:ext>
+            </a:extLst>
+          </a:blip>
+          <a:srcRect/>
+          <a:stretch>
+            <a:fillRect/>
+          </a:stretch>
+        </p:blipFill>
+        <p:spPr>
+          <a:xfrm flipH="1">
+            <a:off x="0" y="0"/>
+            <a:ext cx="12192000" cy="6858000"/>
+          </a:xfrm>
+        </p:spPr>
+      </p:pic>
+      <p:sp>
+        <p:nvSpPr>
+          <p:cNvPr id="3" name="Text Placeholder 2"/>
+          <p:cNvSpPr>
+            <a:spLocks noGrp="1"/>
+          </p:cNvSpPr>
+          <p:nvPr>
+            <p:ph type="body" sz="quarter" idx="14"/>
           </p:nvPr>
         </p:nvSpPr>
         <p:spPr/>
@@ -23666,357 +24240,22 @@
           <a:p>
             <a:r>
               <a:rPr lang="en-US" dirty="0"/>
-              <a:t>Lorem ipsum dolor sit amet, consectetur adipiscing elit. Phasellus auctor efficitur </a:t>
+              <a:t>Click to Add </a:t>
             </a:r>
             <a:br>
               <a:rPr lang="en-US" dirty="0"/>
             </a:br>
             <a:r>
               <a:rPr lang="en-US" dirty="0"/>
-              <a:t>duiet facilisis. </a:t>
-            </a:r>
-          </a:p>
-        </p:txBody>
-      </p:sp>
-      <p:sp>
-        <p:nvSpPr>
-          <p:cNvPr id="20" name="Text Placeholder 19">
-            <a:extLst>
-              <a:ext uri="{FF2B5EF4-FFF2-40B4-BE49-F238E27FC236}">
-                <a16:creationId xmlns:a16="http://schemas.microsoft.com/office/drawing/2014/main" id="{82414D74-66D2-4C65-A48E-39F723FB2B2F}"/>
-              </a:ext>
-            </a:extLst>
-          </p:cNvPr>
-          <p:cNvSpPr>
-            <a:spLocks noGrp="1"/>
-          </p:cNvSpPr>
-          <p:nvPr>
-            <p:ph type="body" sz="quarter" idx="18"/>
-          </p:nvPr>
-        </p:nvSpPr>
-        <p:spPr/>
-        <p:txBody>
-          <a:bodyPr/>
-          <a:lstStyle/>
-          <a:p>
-            <a:r>
-              <a:rPr lang="en-US" dirty="0"/>
-              <a:t>Lorem ipsum dolor sit amet, consectetur adipiscing elit. Phasellus auctor efficitur </a:t>
-            </a:r>
-            <a:br>
-              <a:rPr lang="en-US" dirty="0"/>
-            </a:br>
-            <a:r>
-              <a:rPr lang="en-US" dirty="0"/>
-              <a:t>duiet facilisis. </a:t>
-            </a:r>
-          </a:p>
-        </p:txBody>
-      </p:sp>
-      <p:sp>
-        <p:nvSpPr>
-          <p:cNvPr id="21" name="Text Placeholder 20">
-            <a:extLst>
-              <a:ext uri="{FF2B5EF4-FFF2-40B4-BE49-F238E27FC236}">
-                <a16:creationId xmlns:a16="http://schemas.microsoft.com/office/drawing/2014/main" id="{E4D7EF6E-37B1-4694-B769-3DDEC29D8381}"/>
-              </a:ext>
-            </a:extLst>
-          </p:cNvPr>
-          <p:cNvSpPr>
-            <a:spLocks noGrp="1"/>
-          </p:cNvSpPr>
-          <p:nvPr>
-            <p:ph type="body" sz="quarter" idx="19"/>
-          </p:nvPr>
-        </p:nvSpPr>
-        <p:spPr/>
-        <p:txBody>
-          <a:bodyPr/>
-          <a:lstStyle/>
-          <a:p>
-            <a:r>
-              <a:rPr lang="en-US" dirty="0"/>
-              <a:t>Lorem ipsum dolor sit amet, consectetur adipiscing elit. Phasellus auctor efficitur </a:t>
-            </a:r>
-            <a:br>
-              <a:rPr lang="en-US" dirty="0"/>
-            </a:br>
-            <a:r>
-              <a:rPr lang="en-US" dirty="0"/>
-              <a:t>duiet facilisis. </a:t>
-            </a:r>
-          </a:p>
-        </p:txBody>
-      </p:sp>
-      <p:sp>
-        <p:nvSpPr>
-          <p:cNvPr id="22" name="Text Placeholder 21">
-            <a:extLst>
-              <a:ext uri="{FF2B5EF4-FFF2-40B4-BE49-F238E27FC236}">
-                <a16:creationId xmlns:a16="http://schemas.microsoft.com/office/drawing/2014/main" id="{ABF89FBA-20AC-4FD7-833B-ADA0EEFFCADC}"/>
-              </a:ext>
-            </a:extLst>
-          </p:cNvPr>
-          <p:cNvSpPr>
-            <a:spLocks noGrp="1"/>
-          </p:cNvSpPr>
-          <p:nvPr>
-            <p:ph type="body" sz="quarter" idx="20"/>
-          </p:nvPr>
-        </p:nvSpPr>
-        <p:spPr/>
-        <p:txBody>
-          <a:bodyPr/>
-          <a:lstStyle/>
-          <a:p>
-            <a:r>
-              <a:rPr lang="en-US" dirty="0"/>
-              <a:t>Lorem ipsum dolor sit amet, consectetur adipiscing elit. Phasellus auctor efficitur </a:t>
-            </a:r>
-            <a:br>
-              <a:rPr lang="en-US" dirty="0"/>
-            </a:br>
-            <a:r>
-              <a:rPr lang="en-US" dirty="0"/>
-              <a:t>duiet facilisis. </a:t>
-            </a:r>
-          </a:p>
-        </p:txBody>
-      </p:sp>
-      <p:sp>
-        <p:nvSpPr>
-          <p:cNvPr id="5" name="Title 4">
-            <a:extLst>
-              <a:ext uri="{FF2B5EF4-FFF2-40B4-BE49-F238E27FC236}">
-                <a16:creationId xmlns:a16="http://schemas.microsoft.com/office/drawing/2014/main" id="{96DBE169-BA91-4B17-9AF2-4BAD528BEE06}"/>
-              </a:ext>
-            </a:extLst>
-          </p:cNvPr>
-          <p:cNvSpPr>
-            <a:spLocks noGrp="1"/>
-          </p:cNvSpPr>
-          <p:nvPr>
-            <p:ph type="title"/>
-          </p:nvPr>
-        </p:nvSpPr>
-        <p:spPr/>
-        <p:txBody>
-          <a:bodyPr/>
-          <a:lstStyle/>
-          <a:p>
-            <a:r>
-              <a:rPr lang="en-US" dirty="0"/>
-              <a:t>Click to Add Icon Slide Title Here</a:t>
-            </a:r>
-          </a:p>
-        </p:txBody>
-      </p:sp>
-      <p:sp>
-        <p:nvSpPr>
-          <p:cNvPr id="66" name="Text Placeholder 65">
-            <a:extLst>
-              <a:ext uri="{FF2B5EF4-FFF2-40B4-BE49-F238E27FC236}">
-                <a16:creationId xmlns:a16="http://schemas.microsoft.com/office/drawing/2014/main" id="{1AEF3ED8-A75C-4318-877C-139C98C0007D}"/>
-              </a:ext>
-            </a:extLst>
-          </p:cNvPr>
-          <p:cNvSpPr>
-            <a:spLocks noGrp="1"/>
-          </p:cNvSpPr>
-          <p:nvPr>
-            <p:ph type="body" sz="quarter" idx="12"/>
-          </p:nvPr>
-        </p:nvSpPr>
-        <p:spPr/>
-        <p:txBody>
-          <a:bodyPr>
-            <a:normAutofit/>
-          </a:bodyPr>
-          <a:lstStyle/>
-          <a:p>
-            <a:r>
-              <a:rPr lang="en-US" dirty="0"/>
-              <a:t>SUBTITLE GOES HERE</a:t>
-            </a:r>
-          </a:p>
-        </p:txBody>
-      </p:sp>
-      <p:sp>
-        <p:nvSpPr>
-          <p:cNvPr id="8" name="Text Placeholder 7">
-            <a:extLst>
-              <a:ext uri="{FF2B5EF4-FFF2-40B4-BE49-F238E27FC236}">
-                <a16:creationId xmlns:a16="http://schemas.microsoft.com/office/drawing/2014/main" id="{D9C2EAA8-D3C6-403B-B439-F95C60D0B3B9}"/>
-              </a:ext>
-            </a:extLst>
-          </p:cNvPr>
-          <p:cNvSpPr>
-            <a:spLocks noGrp="1"/>
-          </p:cNvSpPr>
-          <p:nvPr>
-            <p:ph type="body" sz="quarter" idx="11"/>
-          </p:nvPr>
-        </p:nvSpPr>
-        <p:spPr/>
-        <p:txBody>
-          <a:bodyPr/>
-          <a:lstStyle/>
-          <a:p>
-            <a:r>
-              <a:rPr lang="en-US" dirty="0"/>
-              <a:t>Lorem ipsum dolor sit amet, consectetur adipiscing elit. Phasellus auctor efficitur dui et facilisis. Pellentesque habitant morbi tristique senectus et netus et malesuada fames ac turpis egestas. Etiam molestie in quam ac viverra. Cras consequat gravida aliquam. Maecenas cursus eleifend risus, in vulputate velit imperdiet non. Aenean tincidunt euismod ultricies. Fusce tempor dui ipsum, nec ultricies ante eleifend vel curabitur.</a:t>
-            </a:r>
-          </a:p>
-        </p:txBody>
-      </p:sp>
-      <p:pic>
-        <p:nvPicPr>
-          <p:cNvPr id="40" name="Picture Placeholder 39" title="Decorative"/>
-          <p:cNvPicPr>
-            <a:picLocks noGrp="1" noChangeAspect="1"/>
-          </p:cNvPicPr>
-          <p:nvPr>
-            <p:ph type="pic" sz="quarter" idx="13"/>
-          </p:nvPr>
-        </p:nvPicPr>
-        <p:blipFill rotWithShape="1">
-          <a:blip r:embed="rId2" cstate="email">
-            <a:extLst>
-              <a:ext uri="{BEBA8EAE-BF5A-486C-A8C5-ECC9F3942E4B}">
-                <a14:imgProps xmlns:a14="http://schemas.microsoft.com/office/drawing/2010/main">
-                  <a14:imgLayer r:embed="rId3">
-                    <a14:imgEffect>
-                      <a14:brightnessContrast bright="-100000"/>
-                    </a14:imgEffect>
-                  </a14:imgLayer>
-                </a14:imgProps>
-              </a:ext>
-              <a:ext uri="{28A0092B-C50C-407E-A947-70E740481C1C}">
-                <a14:useLocalDpi xmlns:a14="http://schemas.microsoft.com/office/drawing/2010/main"/>
-              </a:ext>
-            </a:extLst>
-          </a:blip>
-          <a:srcRect l="-14976" t="-18769" r="-20858" b="-17066"/>
-          <a:stretch/>
-        </p:blipFill>
-        <p:spPr>
-          <a:prstGeom prst="rect">
-            <a:avLst/>
-          </a:prstGeom>
-        </p:spPr>
-      </p:pic>
-      <p:pic>
-        <p:nvPicPr>
-          <p:cNvPr id="41" name="Picture Placeholder 40" title="Decorative"/>
-          <p:cNvPicPr>
-            <a:picLocks noGrp="1" noChangeAspect="1"/>
-          </p:cNvPicPr>
-          <p:nvPr>
-            <p:ph type="pic" sz="quarter" idx="14"/>
-          </p:nvPr>
-        </p:nvPicPr>
-        <p:blipFill rotWithShape="1">
-          <a:blip r:embed="rId4" cstate="email">
-            <a:extLst>
-              <a:ext uri="{BEBA8EAE-BF5A-486C-A8C5-ECC9F3942E4B}">
-                <a14:imgProps xmlns:a14="http://schemas.microsoft.com/office/drawing/2010/main">
-                  <a14:imgLayer r:embed="rId5">
-                    <a14:imgEffect>
-                      <a14:brightnessContrast bright="-100000"/>
-                    </a14:imgEffect>
-                  </a14:imgLayer>
-                </a14:imgProps>
-              </a:ext>
-              <a:ext uri="{28A0092B-C50C-407E-A947-70E740481C1C}">
-                <a14:useLocalDpi xmlns:a14="http://schemas.microsoft.com/office/drawing/2010/main"/>
-              </a:ext>
-            </a:extLst>
-          </a:blip>
-          <a:srcRect l="-13860" t="-15649" r="-14314" b="-12525"/>
-          <a:stretch/>
-        </p:blipFill>
-        <p:spPr>
-          <a:prstGeom prst="rect">
-            <a:avLst/>
-          </a:prstGeom>
-        </p:spPr>
-      </p:pic>
-      <p:pic>
-        <p:nvPicPr>
-          <p:cNvPr id="42" name="Picture Placeholder 41" title="Decorative"/>
-          <p:cNvPicPr>
-            <a:picLocks noGrp="1" noChangeAspect="1"/>
-          </p:cNvPicPr>
-          <p:nvPr>
-            <p:ph type="pic" sz="quarter" idx="15"/>
-          </p:nvPr>
-        </p:nvPicPr>
-        <p:blipFill rotWithShape="1">
-          <a:blip r:embed="rId6" cstate="email">
-            <a:extLst>
-              <a:ext uri="{BEBA8EAE-BF5A-486C-A8C5-ECC9F3942E4B}">
-                <a14:imgProps xmlns:a14="http://schemas.microsoft.com/office/drawing/2010/main">
-                  <a14:imgLayer r:embed="rId7">
-                    <a14:imgEffect>
-                      <a14:brightnessContrast bright="-100000"/>
-                    </a14:imgEffect>
-                  </a14:imgLayer>
-                </a14:imgProps>
-              </a:ext>
-              <a:ext uri="{28A0092B-C50C-407E-A947-70E740481C1C}">
-                <a14:useLocalDpi xmlns:a14="http://schemas.microsoft.com/office/drawing/2010/main"/>
-              </a:ext>
-            </a:extLst>
-          </a:blip>
-          <a:srcRect l="-21524" t="-8482" r="-20795" b="-8139"/>
-          <a:stretch/>
-        </p:blipFill>
-        <p:spPr>
-          <a:prstGeom prst="rect">
-            <a:avLst/>
-          </a:prstGeom>
-        </p:spPr>
-      </p:pic>
-      <p:pic>
-        <p:nvPicPr>
-          <p:cNvPr id="43" name="Picture Placeholder 42" title="Decorative"/>
-          <p:cNvPicPr>
-            <a:picLocks noGrp="1" noChangeAspect="1"/>
-          </p:cNvPicPr>
-          <p:nvPr>
-            <p:ph type="pic" sz="quarter" idx="16"/>
-          </p:nvPr>
-        </p:nvPicPr>
-        <p:blipFill rotWithShape="1">
-          <a:blip r:embed="rId8" cstate="email">
-            <a:extLst>
-              <a:ext uri="{BEBA8EAE-BF5A-486C-A8C5-ECC9F3942E4B}">
-                <a14:imgProps xmlns:a14="http://schemas.microsoft.com/office/drawing/2010/main">
-                  <a14:imgLayer r:embed="rId9">
-                    <a14:imgEffect>
-                      <a14:brightnessContrast bright="-100000"/>
-                    </a14:imgEffect>
-                  </a14:imgLayer>
-                </a14:imgProps>
-              </a:ext>
-              <a:ext uri="{28A0092B-C50C-407E-A947-70E740481C1C}">
-                <a14:useLocalDpi xmlns:a14="http://schemas.microsoft.com/office/drawing/2010/main"/>
-              </a:ext>
-            </a:extLst>
-          </a:blip>
-          <a:srcRect l="-8214" t="-9857" r="-9487" b="-7844"/>
-          <a:stretch/>
-        </p:blipFill>
-        <p:spPr>
-          <a:prstGeom prst="rect">
-            <a:avLst/>
-          </a:prstGeom>
-        </p:spPr>
-      </p:pic>
+              <a:t>Picture Title Here </a:t>
+            </a:r>
+          </a:p>
+        </p:txBody>
+      </p:sp>
     </p:spTree>
     <p:extLst>
       <p:ext uri="{BB962C8B-B14F-4D97-AF65-F5344CB8AC3E}">
-        <p14:creationId xmlns:p14="http://schemas.microsoft.com/office/powerpoint/2010/main" val="2032607428"/>
+        <p14:creationId xmlns:p14="http://schemas.microsoft.com/office/powerpoint/2010/main" val="1415924349"/>
       </p:ext>
     </p:extLst>
   </p:cSld>
